--- a/oyo1.pptx
+++ b/oyo1.pptx
@@ -17,21 +17,37 @@
     <p:sldId id="265" r:id="rId11"/>
     <p:sldId id="266" r:id="rId12"/>
     <p:sldId id="267" r:id="rId13"/>
-    <p:sldId id="268" r:id="rId14"/>
-    <p:sldId id="269" r:id="rId15"/>
-    <p:sldId id="270" r:id="rId16"/>
-    <p:sldId id="271" r:id="rId17"/>
-    <p:sldId id="272" r:id="rId18"/>
-    <p:sldId id="273" r:id="rId19"/>
-    <p:sldId id="274" r:id="rId20"/>
-    <p:sldId id="275" r:id="rId21"/>
-    <p:sldId id="276" r:id="rId22"/>
-    <p:sldId id="277" r:id="rId23"/>
-    <p:sldId id="278" r:id="rId24"/>
-    <p:sldId id="279" r:id="rId25"/>
-    <p:sldId id="280" r:id="rId26"/>
-    <p:sldId id="281" r:id="rId27"/>
-    <p:sldId id="282" r:id="rId28"/>
+    <p:sldId id="283" r:id="rId14"/>
+    <p:sldId id="268" r:id="rId15"/>
+    <p:sldId id="269" r:id="rId16"/>
+    <p:sldId id="270" r:id="rId17"/>
+    <p:sldId id="271" r:id="rId18"/>
+    <p:sldId id="272" r:id="rId19"/>
+    <p:sldId id="273" r:id="rId20"/>
+    <p:sldId id="274" r:id="rId21"/>
+    <p:sldId id="275" r:id="rId22"/>
+    <p:sldId id="276" r:id="rId23"/>
+    <p:sldId id="277" r:id="rId24"/>
+    <p:sldId id="284" r:id="rId25"/>
+    <p:sldId id="285" r:id="rId26"/>
+    <p:sldId id="286" r:id="rId27"/>
+    <p:sldId id="287" r:id="rId28"/>
+    <p:sldId id="288" r:id="rId29"/>
+    <p:sldId id="289" r:id="rId30"/>
+    <p:sldId id="290" r:id="rId31"/>
+    <p:sldId id="291" r:id="rId32"/>
+    <p:sldId id="278" r:id="rId33"/>
+    <p:sldId id="279" r:id="rId34"/>
+    <p:sldId id="280" r:id="rId35"/>
+    <p:sldId id="292" r:id="rId36"/>
+    <p:sldId id="293" r:id="rId37"/>
+    <p:sldId id="294" r:id="rId38"/>
+    <p:sldId id="295" r:id="rId39"/>
+    <p:sldId id="296" r:id="rId40"/>
+    <p:sldId id="297" r:id="rId41"/>
+    <p:sldId id="281" r:id="rId42"/>
+    <p:sldId id="298" r:id="rId43"/>
+    <p:sldId id="282" r:id="rId44"/>
   </p:sldIdLst>
   <p:sldSz cx="12192000" cy="6858000"/>
   <p:notesSz cx="6858000" cy="9144000"/>
@@ -469,7 +485,7 @@
           <a:p>
             <a:fld id="{23EF12D1-0D3B-407B-A3BA-560F7CEADBB2}" type="datetimeFigureOut">
               <a:rPr lang="en-IN" smtClean="0"/>
-              <a:t>28-05-2023</a:t>
+              <a:t>03-06-2023</a:t>
             </a:fld>
             <a:endParaRPr lang="en-IN"/>
           </a:p>
@@ -793,7 +809,7 @@
           <a:p>
             <a:fld id="{23EF12D1-0D3B-407B-A3BA-560F7CEADBB2}" type="datetimeFigureOut">
               <a:rPr lang="en-IN" smtClean="0"/>
-              <a:t>28-05-2023</a:t>
+              <a:t>03-06-2023</a:t>
             </a:fld>
             <a:endParaRPr lang="en-IN"/>
           </a:p>
@@ -1041,7 +1057,7 @@
           <a:p>
             <a:fld id="{23EF12D1-0D3B-407B-A3BA-560F7CEADBB2}" type="datetimeFigureOut">
               <a:rPr lang="en-IN" smtClean="0"/>
-              <a:t>28-05-2023</a:t>
+              <a:t>03-06-2023</a:t>
             </a:fld>
             <a:endParaRPr lang="en-IN"/>
           </a:p>
@@ -1380,7 +1396,7 @@
           <a:p>
             <a:fld id="{23EF12D1-0D3B-407B-A3BA-560F7CEADBB2}" type="datetimeFigureOut">
               <a:rPr lang="en-IN" smtClean="0"/>
-              <a:t>28-05-2023</a:t>
+              <a:t>03-06-2023</a:t>
             </a:fld>
             <a:endParaRPr lang="en-IN"/>
           </a:p>
@@ -1727,7 +1743,7 @@
           <a:p>
             <a:fld id="{23EF12D1-0D3B-407B-A3BA-560F7CEADBB2}" type="datetimeFigureOut">
               <a:rPr lang="en-IN" smtClean="0"/>
-              <a:t>28-05-2023</a:t>
+              <a:t>03-06-2023</a:t>
             </a:fld>
             <a:endParaRPr lang="en-IN"/>
           </a:p>
@@ -2101,7 +2117,7 @@
           <a:p>
             <a:fld id="{23EF12D1-0D3B-407B-A3BA-560F7CEADBB2}" type="datetimeFigureOut">
               <a:rPr lang="en-IN" smtClean="0"/>
-              <a:t>28-05-2023</a:t>
+              <a:t>03-06-2023</a:t>
             </a:fld>
             <a:endParaRPr lang="en-IN"/>
           </a:p>
@@ -2571,7 +2587,7 @@
           <a:p>
             <a:fld id="{23EF12D1-0D3B-407B-A3BA-560F7CEADBB2}" type="datetimeFigureOut">
               <a:rPr lang="en-IN" smtClean="0"/>
-              <a:t>28-05-2023</a:t>
+              <a:t>03-06-2023</a:t>
             </a:fld>
             <a:endParaRPr lang="en-IN"/>
           </a:p>
@@ -2776,7 +2792,7 @@
           <a:p>
             <a:fld id="{23EF12D1-0D3B-407B-A3BA-560F7CEADBB2}" type="datetimeFigureOut">
               <a:rPr lang="en-IN" smtClean="0"/>
-              <a:t>28-05-2023</a:t>
+              <a:t>03-06-2023</a:t>
             </a:fld>
             <a:endParaRPr lang="en-IN"/>
           </a:p>
@@ -2987,7 +3003,7 @@
           <a:p>
             <a:fld id="{23EF12D1-0D3B-407B-A3BA-560F7CEADBB2}" type="datetimeFigureOut">
               <a:rPr lang="en-IN" smtClean="0"/>
-              <a:t>28-05-2023</a:t>
+              <a:t>03-06-2023</a:t>
             </a:fld>
             <a:endParaRPr lang="en-IN"/>
           </a:p>
@@ -3219,7 +3235,7 @@
           <a:p>
             <a:fld id="{23EF12D1-0D3B-407B-A3BA-560F7CEADBB2}" type="datetimeFigureOut">
               <a:rPr lang="en-IN" smtClean="0"/>
-              <a:t>28-05-2023</a:t>
+              <a:t>03-06-2023</a:t>
             </a:fld>
             <a:endParaRPr lang="en-IN"/>
           </a:p>
@@ -3467,7 +3483,7 @@
           <a:p>
             <a:fld id="{23EF12D1-0D3B-407B-A3BA-560F7CEADBB2}" type="datetimeFigureOut">
               <a:rPr lang="en-IN" smtClean="0"/>
-              <a:t>28-05-2023</a:t>
+              <a:t>03-06-2023</a:t>
             </a:fld>
             <a:endParaRPr lang="en-IN"/>
           </a:p>
@@ -3765,7 +3781,7 @@
           <a:p>
             <a:fld id="{23EF12D1-0D3B-407B-A3BA-560F7CEADBB2}" type="datetimeFigureOut">
               <a:rPr lang="en-IN" smtClean="0"/>
-              <a:t>28-05-2023</a:t>
+              <a:t>03-06-2023</a:t>
             </a:fld>
             <a:endParaRPr lang="en-IN"/>
           </a:p>
@@ -4159,7 +4175,7 @@
           <a:p>
             <a:fld id="{23EF12D1-0D3B-407B-A3BA-560F7CEADBB2}" type="datetimeFigureOut">
               <a:rPr lang="en-IN" smtClean="0"/>
-              <a:t>28-05-2023</a:t>
+              <a:t>03-06-2023</a:t>
             </a:fld>
             <a:endParaRPr lang="en-IN"/>
           </a:p>
@@ -4308,7 +4324,7 @@
           <a:p>
             <a:fld id="{23EF12D1-0D3B-407B-A3BA-560F7CEADBB2}" type="datetimeFigureOut">
               <a:rPr lang="en-IN" smtClean="0"/>
-              <a:t>28-05-2023</a:t>
+              <a:t>03-06-2023</a:t>
             </a:fld>
             <a:endParaRPr lang="en-IN"/>
           </a:p>
@@ -4434,7 +4450,7 @@
           <a:p>
             <a:fld id="{23EF12D1-0D3B-407B-A3BA-560F7CEADBB2}" type="datetimeFigureOut">
               <a:rPr lang="en-IN" smtClean="0"/>
-              <a:t>28-05-2023</a:t>
+              <a:t>03-06-2023</a:t>
             </a:fld>
             <a:endParaRPr lang="en-IN"/>
           </a:p>
@@ -4689,7 +4705,7 @@
           <a:p>
             <a:fld id="{23EF12D1-0D3B-407B-A3BA-560F7CEADBB2}" type="datetimeFigureOut">
               <a:rPr lang="en-IN" smtClean="0"/>
-              <a:t>28-05-2023</a:t>
+              <a:t>03-06-2023</a:t>
             </a:fld>
             <a:endParaRPr lang="en-IN"/>
           </a:p>
@@ -5004,7 +5020,7 @@
           <a:p>
             <a:fld id="{23EF12D1-0D3B-407B-A3BA-560F7CEADBB2}" type="datetimeFigureOut">
               <a:rPr lang="en-IN" smtClean="0"/>
-              <a:t>28-05-2023</a:t>
+              <a:t>03-06-2023</a:t>
             </a:fld>
             <a:endParaRPr lang="en-IN"/>
           </a:p>
@@ -5355,7 +5371,7 @@
           <a:p>
             <a:fld id="{23EF12D1-0D3B-407B-A3BA-560F7CEADBB2}" type="datetimeFigureOut">
               <a:rPr lang="en-IN" smtClean="0"/>
-              <a:t>28-05-2023</a:t>
+              <a:t>03-06-2023</a:t>
             </a:fld>
             <a:endParaRPr lang="en-IN"/>
           </a:p>
@@ -6180,7 +6196,7 @@
           <a:p>
             <a:r>
               <a:rPr lang="en-US" dirty="0" smtClean="0"/>
-              <a:t>Data visualization </a:t>
+              <a:t>Data analysis and visualization </a:t>
             </a:r>
             <a:endParaRPr lang="en-IN" dirty="0"/>
           </a:p>
@@ -6495,10 +6511,132 @@
   <p:clrMapOvr>
     <a:masterClrMapping/>
   </p:clrMapOvr>
+  <p:timing>
+    <p:tnLst>
+      <p:par>
+        <p:cTn id="1" dur="indefinite" restart="never" nodeType="tmRoot"/>
+      </p:par>
+    </p:tnLst>
+  </p:timing>
 </p:sld>
 </file>
 
 <file path=ppt/slides/slide13.xml><?xml version="1.0" encoding="utf-8"?>
+<p:sld xmlns:a="http://schemas.openxmlformats.org/drawingml/2006/main" xmlns:r="http://schemas.openxmlformats.org/officeDocument/2006/relationships" xmlns:p="http://schemas.openxmlformats.org/presentationml/2006/main">
+  <p:cSld>
+    <p:spTree>
+      <p:nvGrpSpPr>
+        <p:cNvPr id="1" name=""/>
+        <p:cNvGrpSpPr/>
+        <p:nvPr/>
+      </p:nvGrpSpPr>
+      <p:grpSpPr>
+        <a:xfrm>
+          <a:off x="0" y="0"/>
+          <a:ext cx="0" cy="0"/>
+          <a:chOff x="0" y="0"/>
+          <a:chExt cx="0" cy="0"/>
+        </a:xfrm>
+      </p:grpSpPr>
+      <p:sp>
+        <p:nvSpPr>
+          <p:cNvPr id="2" name="Title 1"/>
+          <p:cNvSpPr>
+            <a:spLocks noGrp="1"/>
+          </p:cNvSpPr>
+          <p:nvPr>
+            <p:ph type="title"/>
+          </p:nvPr>
+        </p:nvSpPr>
+        <p:spPr>
+          <a:xfrm>
+            <a:off x="1295402" y="762000"/>
+            <a:ext cx="9601196" cy="1523999"/>
+          </a:xfrm>
+        </p:spPr>
+        <p:txBody>
+          <a:bodyPr>
+            <a:normAutofit fontScale="90000"/>
+          </a:bodyPr>
+          <a:lstStyle/>
+          <a:p>
+            <a:r>
+              <a:rPr lang="en-US" dirty="0"/>
+              <a:t>T</a:t>
+            </a:r>
+            <a:r>
+              <a:rPr lang="en-US" dirty="0" smtClean="0"/>
+              <a:t>he </a:t>
+            </a:r>
+            <a:r>
+              <a:rPr lang="en-US" dirty="0"/>
+              <a:t>average amount payable per night for each </a:t>
+            </a:r>
+            <a:r>
+              <a:rPr lang="en-US" dirty="0" smtClean="0"/>
+              <a:t>location</a:t>
+            </a:r>
+            <a:r>
+              <a:rPr lang="en-US" dirty="0"/>
+              <a:t/>
+            </a:r>
+            <a:br>
+              <a:rPr lang="en-US" dirty="0"/>
+            </a:br>
+            <a:endParaRPr lang="en-IN" dirty="0"/>
+          </a:p>
+        </p:txBody>
+      </p:sp>
+      <p:pic>
+        <p:nvPicPr>
+          <p:cNvPr id="4" name="Content Placeholder 3"/>
+          <p:cNvPicPr>
+            <a:picLocks noGrp="1" noChangeAspect="1"/>
+          </p:cNvPicPr>
+          <p:nvPr>
+            <p:ph idx="1"/>
+          </p:nvPr>
+        </p:nvPicPr>
+        <p:blipFill>
+          <a:blip r:embed="rId2">
+            <a:extLst>
+              <a:ext uri="{28A0092B-C50C-407E-A947-70E740481C1C}">
+                <a14:useLocalDpi xmlns:a14="http://schemas.microsoft.com/office/drawing/2010/main" val="0"/>
+              </a:ext>
+            </a:extLst>
+          </a:blip>
+          <a:stretch>
+            <a:fillRect/>
+          </a:stretch>
+        </p:blipFill>
+        <p:spPr>
+          <a:xfrm>
+            <a:off x="3352800" y="2557463"/>
+            <a:ext cx="4932218" cy="3317875"/>
+          </a:xfrm>
+        </p:spPr>
+      </p:pic>
+    </p:spTree>
+    <p:extLst>
+      <p:ext uri="{BB962C8B-B14F-4D97-AF65-F5344CB8AC3E}">
+        <p14:creationId xmlns:p14="http://schemas.microsoft.com/office/powerpoint/2010/main" val="2111472557"/>
+      </p:ext>
+    </p:extLst>
+  </p:cSld>
+  <p:clrMapOvr>
+    <a:masterClrMapping/>
+  </p:clrMapOvr>
+  <p:timing>
+    <p:tnLst>
+      <p:par>
+        <p:cTn id="1" dur="indefinite" restart="never" nodeType="tmRoot"/>
+      </p:par>
+    </p:tnLst>
+  </p:timing>
+</p:sld>
+</file>
+
+<file path=ppt/slides/slide14.xml><?xml version="1.0" encoding="utf-8"?>
 <p:sld xmlns:a="http://schemas.openxmlformats.org/drawingml/2006/main" xmlns:r="http://schemas.openxmlformats.org/officeDocument/2006/relationships" xmlns:p="http://schemas.openxmlformats.org/presentationml/2006/main">
   <p:cSld>
     <p:spTree>
@@ -6582,155 +6720,13 @@
   <p:clrMapOvr>
     <a:masterClrMapping/>
   </p:clrMapOvr>
-</p:sld>
-</file>
-
-<file path=ppt/slides/slide14.xml><?xml version="1.0" encoding="utf-8"?>
-<p:sld xmlns:a="http://schemas.openxmlformats.org/drawingml/2006/main" xmlns:r="http://schemas.openxmlformats.org/officeDocument/2006/relationships" xmlns:p="http://schemas.openxmlformats.org/presentationml/2006/main">
-  <p:cSld>
-    <p:spTree>
-      <p:nvGrpSpPr>
-        <p:cNvPr id="1" name=""/>
-        <p:cNvGrpSpPr/>
-        <p:nvPr/>
-      </p:nvGrpSpPr>
-      <p:grpSpPr>
-        <a:xfrm>
-          <a:off x="0" y="0"/>
-          <a:ext cx="0" cy="0"/>
-          <a:chOff x="0" y="0"/>
-          <a:chExt cx="0" cy="0"/>
-        </a:xfrm>
-      </p:grpSpPr>
-      <p:sp>
-        <p:nvSpPr>
-          <p:cNvPr id="2" name="Title 1"/>
-          <p:cNvSpPr>
-            <a:spLocks noGrp="1"/>
-          </p:cNvSpPr>
-          <p:nvPr>
-            <p:ph type="title"/>
-          </p:nvPr>
-        </p:nvSpPr>
-        <p:spPr/>
-        <p:txBody>
-          <a:bodyPr>
-            <a:normAutofit fontScale="90000"/>
-          </a:bodyPr>
-          <a:lstStyle/>
-          <a:p>
-            <a:r>
-              <a:rPr lang="en-US" dirty="0" smtClean="0"/>
-              <a:t>Insight</a:t>
-            </a:r>
-            <a:br>
-              <a:rPr lang="en-US" dirty="0" smtClean="0"/>
-            </a:br>
-            <a:endParaRPr lang="en-IN" dirty="0"/>
-          </a:p>
-        </p:txBody>
-      </p:sp>
-      <p:sp>
-        <p:nvSpPr>
-          <p:cNvPr id="3" name="Content Placeholder 2"/>
-          <p:cNvSpPr>
-            <a:spLocks noGrp="1"/>
-          </p:cNvSpPr>
-          <p:nvPr>
-            <p:ph idx="1"/>
-          </p:nvPr>
-        </p:nvSpPr>
-        <p:spPr/>
-        <p:txBody>
-          <a:bodyPr/>
-          <a:lstStyle/>
-          <a:p>
-            <a:r>
-              <a:rPr lang="en-US" dirty="0"/>
-              <a:t>original rent is high</a:t>
-            </a:r>
-            <a:r>
-              <a:rPr lang="en-US" dirty="0" smtClean="0"/>
-              <a:t>, Amount </a:t>
-            </a:r>
-            <a:r>
-              <a:rPr lang="en-US" dirty="0"/>
-              <a:t>payable per night is high</a:t>
-            </a:r>
-          </a:p>
-          <a:p>
-            <a:r>
-              <a:rPr lang="en-US" dirty="0"/>
-              <a:t>one outlier whose original rent is </a:t>
-            </a:r>
-            <a:r>
-              <a:rPr lang="en-US" dirty="0" err="1"/>
-              <a:t>approx</a:t>
-            </a:r>
-            <a:r>
-              <a:rPr lang="en-US" dirty="0"/>
-              <a:t> 25000 but amount to pay is </a:t>
-            </a:r>
-            <a:r>
-              <a:rPr lang="en-US" dirty="0" err="1"/>
-              <a:t>approx</a:t>
-            </a:r>
-            <a:r>
-              <a:rPr lang="en-US" dirty="0"/>
-              <a:t> 3000 with 3.2 star rating it seems that gives </a:t>
-            </a:r>
-            <a:r>
-              <a:rPr lang="en-US" dirty="0" err="1"/>
-              <a:t>approx</a:t>
-            </a:r>
-            <a:r>
-              <a:rPr lang="en-US" dirty="0"/>
-              <a:t> 12%</a:t>
-            </a:r>
-          </a:p>
-          <a:p>
-            <a:r>
-              <a:rPr lang="en-US" dirty="0"/>
-              <a:t>original rent is 5000 ,amount </a:t>
-            </a:r>
-            <a:r>
-              <a:rPr lang="en-US" dirty="0" err="1"/>
-              <a:t>payble</a:t>
-            </a:r>
-            <a:r>
-              <a:rPr lang="en-US" dirty="0"/>
-              <a:t> per night is 2000,with 4.8 rating is another outlier.</a:t>
-            </a:r>
-          </a:p>
-          <a:p>
-            <a:r>
-              <a:rPr lang="en-US" dirty="0"/>
-              <a:t>maximum hotel whose original rent lies between </a:t>
-            </a:r>
-            <a:r>
-              <a:rPr lang="en-US" dirty="0" err="1"/>
-              <a:t>approx</a:t>
-            </a:r>
-            <a:r>
-              <a:rPr lang="en-US" dirty="0"/>
-              <a:t> 1000 to 9000 and discount rent is in between 500 to 3000</a:t>
-            </a:r>
-          </a:p>
-          <a:p>
-            <a:endParaRPr lang="en-IN" dirty="0"/>
-          </a:p>
-        </p:txBody>
-      </p:sp>
-    </p:spTree>
-    <p:extLst>
-      <p:ext uri="{BB962C8B-B14F-4D97-AF65-F5344CB8AC3E}">
-        <p14:creationId xmlns:p14="http://schemas.microsoft.com/office/powerpoint/2010/main" val="2722816395"/>
-      </p:ext>
-    </p:extLst>
-  </p:cSld>
-  <p:clrMapOvr>
-    <a:masterClrMapping/>
-  </p:clrMapOvr>
+  <p:timing>
+    <p:tnLst>
+      <p:par>
+        <p:cTn id="1" dur="indefinite" restart="never" nodeType="tmRoot"/>
+      </p:par>
+    </p:tnLst>
+  </p:timing>
 </p:sld>
 </file>
 
@@ -6770,7 +6766,7 @@
           <a:p>
             <a:r>
               <a:rPr lang="en-US" dirty="0" smtClean="0"/>
-              <a:t>Hotel count vs amount payable per night</a:t>
+              <a:t>Insight</a:t>
             </a:r>
             <a:br>
               <a:rPr lang="en-US" dirty="0" smtClean="0"/>
@@ -6779,52 +6775,125 @@
           </a:p>
         </p:txBody>
       </p:sp>
-      <p:pic>
-        <p:nvPicPr>
-          <p:cNvPr id="5" name="Content Placeholder 4"/>
-          <p:cNvPicPr>
-            <a:picLocks noGrp="1" noChangeAspect="1"/>
-          </p:cNvPicPr>
+      <p:sp>
+        <p:nvSpPr>
+          <p:cNvPr id="3" name="Content Placeholder 2"/>
+          <p:cNvSpPr>
+            <a:spLocks noGrp="1"/>
+          </p:cNvSpPr>
           <p:nvPr>
             <p:ph idx="1"/>
           </p:nvPr>
-        </p:nvPicPr>
-        <p:blipFill>
-          <a:blip r:embed="rId2">
-            <a:extLst>
-              <a:ext uri="{28A0092B-C50C-407E-A947-70E740481C1C}">
-                <a14:useLocalDpi xmlns:a14="http://schemas.microsoft.com/office/drawing/2010/main" val="0"/>
-              </a:ext>
-            </a:extLst>
-          </a:blip>
-          <a:stretch>
-            <a:fillRect/>
-          </a:stretch>
-        </p:blipFill>
-        <p:spPr bwMode="auto">
-          <a:xfrm>
-            <a:off x="1607127" y="2557463"/>
-            <a:ext cx="8922328" cy="3496973"/>
-          </a:xfrm>
-          <a:prstGeom prst="rect">
-            <a:avLst/>
-          </a:prstGeom>
-          <a:noFill/>
-          <a:extLst>
-            <a:ext uri="{909E8E84-426E-40DD-AFC4-6F175D3DCCD1}">
-              <a14:hiddenFill xmlns:a14="http://schemas.microsoft.com/office/drawing/2010/main">
-                <a:solidFill>
-                  <a:srgbClr val="FFFFFF"/>
-                </a:solidFill>
-              </a14:hiddenFill>
-            </a:ext>
-          </a:extLst>
-        </p:spPr>
-      </p:pic>
+        </p:nvSpPr>
+        <p:spPr/>
+        <p:txBody>
+          <a:bodyPr/>
+          <a:lstStyle/>
+          <a:p>
+            <a:r>
+              <a:rPr lang="en-US" dirty="0"/>
+              <a:t>original rent is high</a:t>
+            </a:r>
+            <a:r>
+              <a:rPr lang="en-US" dirty="0" smtClean="0"/>
+              <a:t>, Amount </a:t>
+            </a:r>
+            <a:r>
+              <a:rPr lang="en-US" dirty="0"/>
+              <a:t>payable per night </a:t>
+            </a:r>
+            <a:r>
+              <a:rPr lang="en-US" dirty="0" smtClean="0"/>
+              <a:t>is also </a:t>
+            </a:r>
+            <a:r>
+              <a:rPr lang="en-US" dirty="0"/>
+              <a:t>high</a:t>
+            </a:r>
+          </a:p>
+          <a:p>
+            <a:r>
+              <a:rPr lang="en-US" dirty="0"/>
+              <a:t>one outlier </a:t>
+            </a:r>
+            <a:r>
+              <a:rPr lang="en-US" dirty="0" smtClean="0"/>
+              <a:t>, whose </a:t>
+            </a:r>
+            <a:r>
+              <a:rPr lang="en-US" dirty="0"/>
+              <a:t>original rent is </a:t>
+            </a:r>
+            <a:r>
+              <a:rPr lang="en-US" dirty="0" err="1" smtClean="0"/>
+              <a:t>Approx</a:t>
+            </a:r>
+            <a:r>
+              <a:rPr lang="en-US" dirty="0" smtClean="0"/>
+              <a:t> </a:t>
+            </a:r>
+            <a:r>
+              <a:rPr lang="en-US" dirty="0"/>
+              <a:t>25000 but amount to pay is </a:t>
+            </a:r>
+            <a:r>
+              <a:rPr lang="en-US" dirty="0" err="1"/>
+              <a:t>approx</a:t>
+            </a:r>
+            <a:r>
+              <a:rPr lang="en-US" dirty="0"/>
+              <a:t> 3000 with 3.2 star rating it seems that gives </a:t>
+            </a:r>
+            <a:r>
+              <a:rPr lang="en-US" dirty="0" err="1" smtClean="0"/>
+              <a:t>approx</a:t>
+            </a:r>
+            <a:r>
+              <a:rPr lang="en-US" dirty="0" smtClean="0"/>
+              <a:t> </a:t>
+            </a:r>
+            <a:r>
+              <a:rPr lang="en-US" dirty="0"/>
+              <a:t>12%</a:t>
+            </a:r>
+          </a:p>
+          <a:p>
+            <a:r>
+              <a:rPr lang="en-US" dirty="0"/>
+              <a:t>original rent is 5000 ,amount </a:t>
+            </a:r>
+            <a:r>
+              <a:rPr lang="en-US" dirty="0" err="1"/>
+              <a:t>payble</a:t>
+            </a:r>
+            <a:r>
+              <a:rPr lang="en-US" dirty="0"/>
+              <a:t> per night is 2000,with 4.8 rating is another outlier.</a:t>
+            </a:r>
+          </a:p>
+          <a:p>
+            <a:r>
+              <a:rPr lang="en-US" dirty="0"/>
+              <a:t>maximum hotel whose original rent lies between </a:t>
+            </a:r>
+            <a:r>
+              <a:rPr lang="en-US" dirty="0" err="1"/>
+              <a:t>approx</a:t>
+            </a:r>
+            <a:r>
+              <a:rPr lang="en-US" dirty="0"/>
+              <a:t> 1000 to 9000 and discount rent is in between 500 to 3000</a:t>
+            </a:r>
+          </a:p>
+          <a:p>
+            <a:endParaRPr lang="en-IN" dirty="0"/>
+          </a:p>
+        </p:txBody>
+      </p:sp>
     </p:spTree>
     <p:extLst>
       <p:ext uri="{BB962C8B-B14F-4D97-AF65-F5344CB8AC3E}">
-        <p14:creationId xmlns:p14="http://schemas.microsoft.com/office/powerpoint/2010/main" val="3348429003"/>
+        <p14:creationId xmlns:p14="http://schemas.microsoft.com/office/powerpoint/2010/main" val="2722816395"/>
       </p:ext>
     </p:extLst>
   </p:cSld>
@@ -6877,7 +6946,7 @@
           <a:p>
             <a:r>
               <a:rPr lang="en-US" dirty="0" smtClean="0"/>
-              <a:t>Insight</a:t>
+              <a:t>Hotel count vs amount payable per night</a:t>
             </a:r>
             <a:br>
               <a:rPr lang="en-US" dirty="0" smtClean="0"/>
@@ -6886,63 +6955,65 @@
           </a:p>
         </p:txBody>
       </p:sp>
-      <p:sp>
-        <p:nvSpPr>
-          <p:cNvPr id="3" name="Content Placeholder 2"/>
-          <p:cNvSpPr>
-            <a:spLocks noGrp="1"/>
-          </p:cNvSpPr>
+      <p:pic>
+        <p:nvPicPr>
+          <p:cNvPr id="5" name="Content Placeholder 4"/>
+          <p:cNvPicPr>
+            <a:picLocks noGrp="1" noChangeAspect="1"/>
+          </p:cNvPicPr>
           <p:nvPr>
             <p:ph idx="1"/>
           </p:nvPr>
-        </p:nvSpPr>
-        <p:spPr/>
-        <p:txBody>
-          <a:bodyPr/>
-          <a:lstStyle/>
-          <a:p>
-            <a:r>
-              <a:rPr lang="en-US" dirty="0"/>
-              <a:t>using this plot we realize that more than 14 hotels having same rent of INR 576 and around 12 hotels having same rent of INR 1360 and so on</a:t>
-            </a:r>
-          </a:p>
-          <a:p>
-            <a:r>
-              <a:rPr lang="en-US" dirty="0"/>
-              <a:t>around 8 hotels which are mostly </a:t>
-            </a:r>
-            <a:r>
-              <a:rPr lang="en-US" dirty="0" smtClean="0"/>
-              <a:t>affordable </a:t>
-            </a:r>
-            <a:r>
-              <a:rPr lang="en-US" dirty="0"/>
-              <a:t>with rent of INR 999 and 14 hotel are also very </a:t>
-            </a:r>
-            <a:r>
-              <a:rPr lang="en-US" dirty="0" smtClean="0"/>
-              <a:t>affordable </a:t>
-            </a:r>
-            <a:r>
-              <a:rPr lang="en-US" dirty="0"/>
-              <a:t>with INR 576</a:t>
-            </a:r>
-          </a:p>
-          <a:p>
-            <a:endParaRPr lang="en-IN" dirty="0"/>
-          </a:p>
-        </p:txBody>
-      </p:sp>
+        </p:nvPicPr>
+        <p:blipFill>
+          <a:blip r:embed="rId2">
+            <a:extLst>
+              <a:ext uri="{28A0092B-C50C-407E-A947-70E740481C1C}">
+                <a14:useLocalDpi xmlns:a14="http://schemas.microsoft.com/office/drawing/2010/main" val="0"/>
+              </a:ext>
+            </a:extLst>
+          </a:blip>
+          <a:stretch>
+            <a:fillRect/>
+          </a:stretch>
+        </p:blipFill>
+        <p:spPr bwMode="auto">
+          <a:xfrm>
+            <a:off x="1295402" y="2285999"/>
+            <a:ext cx="9358743" cy="3810001"/>
+          </a:xfrm>
+          <a:prstGeom prst="rect">
+            <a:avLst/>
+          </a:prstGeom>
+          <a:noFill/>
+          <a:extLst>
+            <a:ext uri="{909E8E84-426E-40DD-AFC4-6F175D3DCCD1}">
+              <a14:hiddenFill xmlns:a14="http://schemas.microsoft.com/office/drawing/2010/main">
+                <a:solidFill>
+                  <a:srgbClr val="FFFFFF"/>
+                </a:solidFill>
+              </a14:hiddenFill>
+            </a:ext>
+          </a:extLst>
+        </p:spPr>
+      </p:pic>
     </p:spTree>
     <p:extLst>
       <p:ext uri="{BB962C8B-B14F-4D97-AF65-F5344CB8AC3E}">
-        <p14:creationId xmlns:p14="http://schemas.microsoft.com/office/powerpoint/2010/main" val="1658705268"/>
+        <p14:creationId xmlns:p14="http://schemas.microsoft.com/office/powerpoint/2010/main" val="3348429003"/>
       </p:ext>
     </p:extLst>
   </p:cSld>
   <p:clrMapOvr>
     <a:masterClrMapping/>
   </p:clrMapOvr>
+  <p:timing>
+    <p:tnLst>
+      <p:par>
+        <p:cTn id="1" dur="indefinite" restart="never" nodeType="tmRoot"/>
+      </p:par>
+    </p:tnLst>
+  </p:timing>
 </p:sld>
 </file>
 
@@ -6982,7 +7053,7 @@
           <a:p>
             <a:r>
               <a:rPr lang="en-US" dirty="0" smtClean="0"/>
-              <a:t>Discount vs payable amount</a:t>
+              <a:t>Insight</a:t>
             </a:r>
             <a:br>
               <a:rPr lang="en-US" dirty="0" smtClean="0"/>
@@ -6991,39 +7062,57 @@
           </a:p>
         </p:txBody>
       </p:sp>
-      <p:pic>
-        <p:nvPicPr>
-          <p:cNvPr id="4" name="Content Placeholder 3"/>
-          <p:cNvPicPr>
-            <a:picLocks noGrp="1" noChangeAspect="1"/>
-          </p:cNvPicPr>
+      <p:sp>
+        <p:nvSpPr>
+          <p:cNvPr id="3" name="Content Placeholder 2"/>
+          <p:cNvSpPr>
+            <a:spLocks noGrp="1"/>
+          </p:cNvSpPr>
           <p:nvPr>
             <p:ph idx="1"/>
           </p:nvPr>
-        </p:nvPicPr>
-        <p:blipFill>
-          <a:blip r:embed="rId2">
-            <a:extLst>
-              <a:ext uri="{28A0092B-C50C-407E-A947-70E740481C1C}">
-                <a14:useLocalDpi xmlns:a14="http://schemas.microsoft.com/office/drawing/2010/main" val="0"/>
-              </a:ext>
-            </a:extLst>
-          </a:blip>
-          <a:stretch>
-            <a:fillRect/>
-          </a:stretch>
-        </p:blipFill>
-        <p:spPr>
-          <a:xfrm>
-            <a:off x="1773382" y="2557463"/>
-            <a:ext cx="9123216" cy="3372282"/>
-          </a:xfrm>
-        </p:spPr>
-      </p:pic>
+        </p:nvSpPr>
+        <p:spPr/>
+        <p:txBody>
+          <a:bodyPr/>
+          <a:lstStyle/>
+          <a:p>
+            <a:r>
+              <a:rPr lang="en-US" dirty="0"/>
+              <a:t>using this plot we realize that more than 14 hotels having same rent of INR 576 and around 12 hotels having same rent of INR 1360 and so on</a:t>
+            </a:r>
+          </a:p>
+          <a:p>
+            <a:r>
+              <a:rPr lang="en-US" dirty="0"/>
+              <a:t>around 8 hotels which are mostly </a:t>
+            </a:r>
+            <a:r>
+              <a:rPr lang="en-US" dirty="0" smtClean="0"/>
+              <a:t>affordable </a:t>
+            </a:r>
+            <a:r>
+              <a:rPr lang="en-US" dirty="0"/>
+              <a:t>with rent of INR 999 and 14 hotel are also very </a:t>
+            </a:r>
+            <a:r>
+              <a:rPr lang="en-US" dirty="0" smtClean="0"/>
+              <a:t>affordable </a:t>
+            </a:r>
+            <a:r>
+              <a:rPr lang="en-US" dirty="0"/>
+              <a:t>with INR 576</a:t>
+            </a:r>
+          </a:p>
+          <a:p>
+            <a:endParaRPr lang="en-IN" dirty="0"/>
+          </a:p>
+        </p:txBody>
+      </p:sp>
     </p:spTree>
     <p:extLst>
       <p:ext uri="{BB962C8B-B14F-4D97-AF65-F5344CB8AC3E}">
-        <p14:creationId xmlns:p14="http://schemas.microsoft.com/office/powerpoint/2010/main" val="2713542979"/>
+        <p14:creationId xmlns:p14="http://schemas.microsoft.com/office/powerpoint/2010/main" val="1658705268"/>
       </p:ext>
     </p:extLst>
   </p:cSld>
@@ -7076,7 +7165,7 @@
           <a:p>
             <a:r>
               <a:rPr lang="en-US" dirty="0" smtClean="0"/>
-              <a:t>Insight</a:t>
+              <a:t>Discount vs payable amount</a:t>
             </a:r>
             <a:br>
               <a:rPr lang="en-US" dirty="0" smtClean="0"/>
@@ -7085,53 +7174,39 @@
           </a:p>
         </p:txBody>
       </p:sp>
-      <p:sp>
-        <p:nvSpPr>
-          <p:cNvPr id="3" name="Content Placeholder 2"/>
-          <p:cNvSpPr>
-            <a:spLocks noGrp="1"/>
-          </p:cNvSpPr>
+      <p:pic>
+        <p:nvPicPr>
+          <p:cNvPr id="4" name="Content Placeholder 3"/>
+          <p:cNvPicPr>
+            <a:picLocks noGrp="1" noChangeAspect="1"/>
+          </p:cNvPicPr>
           <p:nvPr>
             <p:ph idx="1"/>
           </p:nvPr>
-        </p:nvSpPr>
-        <p:spPr/>
-        <p:txBody>
-          <a:bodyPr/>
-          <a:lstStyle/>
-          <a:p>
-            <a:endParaRPr lang="en-US" dirty="0" smtClean="0"/>
-          </a:p>
-          <a:p>
-            <a:endParaRPr lang="en-US" dirty="0"/>
-          </a:p>
-          <a:p>
-            <a:r>
-              <a:rPr lang="en-US" dirty="0" smtClean="0"/>
-              <a:t>By </a:t>
-            </a:r>
-            <a:r>
-              <a:rPr lang="en-US" dirty="0"/>
-              <a:t>seeing this graph who pay </a:t>
-            </a:r>
-            <a:r>
-              <a:rPr lang="en-US" dirty="0" smtClean="0"/>
-              <a:t>high </a:t>
-            </a:r>
-            <a:r>
-              <a:rPr lang="en-US" dirty="0"/>
-              <a:t>those discount is low but also exceptional case is there</a:t>
-            </a:r>
-          </a:p>
-          <a:p>
-            <a:endParaRPr lang="en-IN" dirty="0"/>
-          </a:p>
-        </p:txBody>
-      </p:sp>
+        </p:nvPicPr>
+        <p:blipFill>
+          <a:blip r:embed="rId2">
+            <a:extLst>
+              <a:ext uri="{28A0092B-C50C-407E-A947-70E740481C1C}">
+                <a14:useLocalDpi xmlns:a14="http://schemas.microsoft.com/office/drawing/2010/main" val="0"/>
+              </a:ext>
+            </a:extLst>
+          </a:blip>
+          <a:stretch>
+            <a:fillRect/>
+          </a:stretch>
+        </p:blipFill>
+        <p:spPr>
+          <a:xfrm>
+            <a:off x="1025236" y="1953491"/>
+            <a:ext cx="10038123" cy="4142509"/>
+          </a:xfrm>
+        </p:spPr>
+      </p:pic>
     </p:spTree>
     <p:extLst>
       <p:ext uri="{BB962C8B-B14F-4D97-AF65-F5344CB8AC3E}">
-        <p14:creationId xmlns:p14="http://schemas.microsoft.com/office/powerpoint/2010/main" val="2989160585"/>
+        <p14:creationId xmlns:p14="http://schemas.microsoft.com/office/powerpoint/2010/main" val="2713542979"/>
       </p:ext>
     </p:extLst>
   </p:cSld>
@@ -7177,50 +7252,137 @@
         </p:nvSpPr>
         <p:spPr/>
         <p:txBody>
+          <a:bodyPr>
+            <a:normAutofit fontScale="90000"/>
+          </a:bodyPr>
+          <a:lstStyle/>
+          <a:p>
+            <a:r>
+              <a:rPr lang="en-US" dirty="0" smtClean="0"/>
+              <a:t>Insight</a:t>
+            </a:r>
+            <a:br>
+              <a:rPr lang="en-US" dirty="0" smtClean="0"/>
+            </a:br>
+            <a:endParaRPr lang="en-IN" dirty="0"/>
+          </a:p>
+        </p:txBody>
+      </p:sp>
+      <p:sp>
+        <p:nvSpPr>
+          <p:cNvPr id="3" name="Content Placeholder 2"/>
+          <p:cNvSpPr>
+            <a:spLocks noGrp="1"/>
+          </p:cNvSpPr>
+          <p:nvPr>
+            <p:ph idx="1"/>
+          </p:nvPr>
+        </p:nvSpPr>
+        <p:spPr/>
+        <p:txBody>
           <a:bodyPr/>
           <a:lstStyle/>
           <a:p>
-            <a:r>
-              <a:rPr lang="en-US" dirty="0" smtClean="0"/>
-              <a:t>Discount plot with count</a:t>
-            </a:r>
+            <a:endParaRPr lang="en-US" dirty="0" smtClean="0"/>
+          </a:p>
+          <a:p>
+            <a:endParaRPr lang="en-US" dirty="0"/>
+          </a:p>
+          <a:p>
+            <a:pPr marL="0" indent="0">
+              <a:buNone/>
+            </a:pPr>
+            <a:r>
+              <a:rPr lang="en-US" dirty="0" smtClean="0"/>
+              <a:t> </a:t>
+            </a:r>
+            <a:r>
+              <a:rPr lang="en-US" dirty="0"/>
+              <a:t>F</a:t>
+            </a:r>
+            <a:r>
+              <a:rPr lang="en-US" dirty="0" smtClean="0"/>
+              <a:t>or </a:t>
+            </a:r>
+            <a:r>
+              <a:rPr lang="en-US" dirty="0"/>
+              <a:t>highest rent there is </a:t>
+            </a:r>
+            <a:r>
+              <a:rPr lang="en-US" dirty="0" smtClean="0"/>
+              <a:t>65% </a:t>
+            </a:r>
+            <a:r>
+              <a:rPr lang="en-US" dirty="0"/>
+              <a:t>discount</a:t>
+            </a:r>
+          </a:p>
+          <a:p>
+            <a:r>
+              <a:rPr lang="en-US" dirty="0"/>
+              <a:t>for least rent there is </a:t>
+            </a:r>
+            <a:r>
+              <a:rPr lang="en-US" dirty="0" smtClean="0"/>
+              <a:t>84 </a:t>
+            </a:r>
+            <a:r>
+              <a:rPr lang="en-US" dirty="0"/>
+              <a:t>% </a:t>
+            </a:r>
+            <a:r>
+              <a:rPr lang="en-US" dirty="0" smtClean="0"/>
+              <a:t>discount</a:t>
+            </a:r>
+          </a:p>
+          <a:p>
+            <a:r>
+              <a:rPr lang="en-US" dirty="0"/>
+              <a:t>Maximum rent is lies between 500 to 2500</a:t>
+            </a:r>
+          </a:p>
+          <a:p>
+            <a:r>
+              <a:rPr lang="en-US" dirty="0"/>
+              <a:t>only </a:t>
+            </a:r>
+            <a:r>
+              <a:rPr lang="en-US" dirty="0" smtClean="0"/>
+              <a:t>two </a:t>
+            </a:r>
+            <a:r>
+              <a:rPr lang="en-US" dirty="0"/>
+              <a:t>hotel is there , of rent </a:t>
+            </a:r>
+            <a:r>
+              <a:rPr lang="en-US" dirty="0" smtClean="0"/>
+              <a:t> </a:t>
+            </a:r>
+            <a:r>
+              <a:rPr lang="en-US" dirty="0" err="1" smtClean="0"/>
+              <a:t>approx</a:t>
+            </a:r>
+            <a:r>
+              <a:rPr lang="en-US" dirty="0" smtClean="0"/>
+              <a:t> 4500</a:t>
+            </a:r>
+            <a:r>
+              <a:rPr lang="en-US" dirty="0"/>
+              <a:t>.</a:t>
+            </a:r>
+          </a:p>
+          <a:p>
+            <a:endParaRPr lang="en-US" dirty="0"/>
+          </a:p>
+          <a:p>
             <a:endParaRPr lang="en-IN" dirty="0"/>
           </a:p>
         </p:txBody>
       </p:sp>
-      <p:pic>
-        <p:nvPicPr>
-          <p:cNvPr id="4" name="Content Placeholder 3"/>
-          <p:cNvPicPr>
-            <a:picLocks noGrp="1" noChangeAspect="1"/>
-          </p:cNvPicPr>
-          <p:nvPr>
-            <p:ph idx="1"/>
-          </p:nvPr>
-        </p:nvPicPr>
-        <p:blipFill>
-          <a:blip r:embed="rId2">
-            <a:extLst>
-              <a:ext uri="{28A0092B-C50C-407E-A947-70E740481C1C}">
-                <a14:useLocalDpi xmlns:a14="http://schemas.microsoft.com/office/drawing/2010/main" val="0"/>
-              </a:ext>
-            </a:extLst>
-          </a:blip>
-          <a:stretch>
-            <a:fillRect/>
-          </a:stretch>
-        </p:blipFill>
-        <p:spPr>
-          <a:xfrm>
-            <a:off x="1717964" y="2557463"/>
-            <a:ext cx="8548253" cy="3538537"/>
-          </a:xfrm>
-        </p:spPr>
-      </p:pic>
     </p:spTree>
     <p:extLst>
       <p:ext uri="{BB962C8B-B14F-4D97-AF65-F5344CB8AC3E}">
-        <p14:creationId xmlns:p14="http://schemas.microsoft.com/office/powerpoint/2010/main" val="3052731534"/>
+        <p14:creationId xmlns:p14="http://schemas.microsoft.com/office/powerpoint/2010/main" val="2989160585"/>
       </p:ext>
     </p:extLst>
   </p:cSld>
@@ -7498,57 +7660,50 @@
         </p:nvSpPr>
         <p:spPr/>
         <p:txBody>
-          <a:bodyPr>
-            <a:normAutofit fontScale="90000"/>
-          </a:bodyPr>
-          <a:lstStyle/>
-          <a:p>
-            <a:r>
-              <a:rPr lang="en-US" dirty="0" smtClean="0"/>
-              <a:t>Insight</a:t>
-            </a:r>
-            <a:br>
-              <a:rPr lang="en-US" dirty="0" smtClean="0"/>
-            </a:br>
+          <a:bodyPr/>
+          <a:lstStyle/>
+          <a:p>
+            <a:r>
+              <a:rPr lang="en-US" dirty="0" smtClean="0"/>
+              <a:t>Discount plot with count</a:t>
+            </a:r>
             <a:endParaRPr lang="en-IN" dirty="0"/>
           </a:p>
         </p:txBody>
       </p:sp>
-      <p:sp>
-        <p:nvSpPr>
-          <p:cNvPr id="3" name="Content Placeholder 2"/>
-          <p:cNvSpPr>
-            <a:spLocks noGrp="1"/>
-          </p:cNvSpPr>
+      <p:pic>
+        <p:nvPicPr>
+          <p:cNvPr id="4" name="Content Placeholder 3"/>
+          <p:cNvPicPr>
+            <a:picLocks noGrp="1" noChangeAspect="1"/>
+          </p:cNvPicPr>
           <p:nvPr>
             <p:ph idx="1"/>
           </p:nvPr>
-        </p:nvSpPr>
-        <p:spPr/>
-        <p:txBody>
-          <a:bodyPr/>
-          <a:lstStyle/>
-          <a:p>
-            <a:r>
-              <a:rPr lang="en-US" dirty="0"/>
-              <a:t>by seeing above plot we can say that more than 350 hotels having discount of more than 60%,and around 120 hotel having discount of 65%</a:t>
-            </a:r>
-          </a:p>
-          <a:p>
-            <a:r>
-              <a:rPr lang="en-US" dirty="0"/>
-              <a:t>The lowest discount rent is 70 and around 45 hotels with this discount</a:t>
-            </a:r>
-          </a:p>
-          <a:p>
-            <a:endParaRPr lang="en-IN" dirty="0"/>
-          </a:p>
-        </p:txBody>
-      </p:sp>
+        </p:nvPicPr>
+        <p:blipFill>
+          <a:blip r:embed="rId2">
+            <a:extLst>
+              <a:ext uri="{28A0092B-C50C-407E-A947-70E740481C1C}">
+                <a14:useLocalDpi xmlns:a14="http://schemas.microsoft.com/office/drawing/2010/main" val="0"/>
+              </a:ext>
+            </a:extLst>
+          </a:blip>
+          <a:stretch>
+            <a:fillRect/>
+          </a:stretch>
+        </p:blipFill>
+        <p:spPr>
+          <a:xfrm>
+            <a:off x="1468582" y="2285999"/>
+            <a:ext cx="9033163" cy="3893128"/>
+          </a:xfrm>
+        </p:spPr>
+      </p:pic>
     </p:spTree>
     <p:extLst>
       <p:ext uri="{BB962C8B-B14F-4D97-AF65-F5344CB8AC3E}">
-        <p14:creationId xmlns:p14="http://schemas.microsoft.com/office/powerpoint/2010/main" val="2591189106"/>
+        <p14:creationId xmlns:p14="http://schemas.microsoft.com/office/powerpoint/2010/main" val="3052731534"/>
       </p:ext>
     </p:extLst>
   </p:cSld>
@@ -7594,50 +7749,65 @@
         </p:nvSpPr>
         <p:spPr/>
         <p:txBody>
+          <a:bodyPr>
+            <a:normAutofit fontScale="90000"/>
+          </a:bodyPr>
+          <a:lstStyle/>
+          <a:p>
+            <a:r>
+              <a:rPr lang="en-US" dirty="0" smtClean="0"/>
+              <a:t>Insight</a:t>
+            </a:r>
+            <a:br>
+              <a:rPr lang="en-US" dirty="0" smtClean="0"/>
+            </a:br>
+            <a:endParaRPr lang="en-IN" dirty="0"/>
+          </a:p>
+        </p:txBody>
+      </p:sp>
+      <p:sp>
+        <p:nvSpPr>
+          <p:cNvPr id="3" name="Content Placeholder 2"/>
+          <p:cNvSpPr>
+            <a:spLocks noGrp="1"/>
+          </p:cNvSpPr>
+          <p:nvPr>
+            <p:ph idx="1"/>
+          </p:nvPr>
+        </p:nvSpPr>
+        <p:spPr/>
+        <p:txBody>
           <a:bodyPr/>
           <a:lstStyle/>
           <a:p>
             <a:r>
-              <a:rPr lang="en-US" dirty="0" smtClean="0"/>
-              <a:t>Hotel Rating count</a:t>
-            </a:r>
+              <a:rPr lang="en-US" dirty="0"/>
+              <a:t>by seeing  </a:t>
+            </a:r>
+            <a:r>
+              <a:rPr lang="en-US" dirty="0" smtClean="0"/>
+              <a:t>plot </a:t>
+            </a:r>
+            <a:r>
+              <a:rPr lang="en-US" dirty="0"/>
+              <a:t>we can say that more than 350 hotels having discount of more than 60%,and around 120 hotel having discount of 65%</a:t>
+            </a:r>
+          </a:p>
+          <a:p>
+            <a:r>
+              <a:rPr lang="en-US" dirty="0"/>
+              <a:t>The lowest discount rent is 70 and around 45 hotels with this discount</a:t>
+            </a:r>
+          </a:p>
+          <a:p>
             <a:endParaRPr lang="en-IN" dirty="0"/>
           </a:p>
         </p:txBody>
       </p:sp>
-      <p:pic>
-        <p:nvPicPr>
-          <p:cNvPr id="4" name="Content Placeholder 3"/>
-          <p:cNvPicPr>
-            <a:picLocks noGrp="1" noChangeAspect="1"/>
-          </p:cNvPicPr>
-          <p:nvPr>
-            <p:ph idx="1"/>
-          </p:nvPr>
-        </p:nvPicPr>
-        <p:blipFill>
-          <a:blip r:embed="rId2">
-            <a:extLst>
-              <a:ext uri="{28A0092B-C50C-407E-A947-70E740481C1C}">
-                <a14:useLocalDpi xmlns:a14="http://schemas.microsoft.com/office/drawing/2010/main" val="0"/>
-              </a:ext>
-            </a:extLst>
-          </a:blip>
-          <a:stretch>
-            <a:fillRect/>
-          </a:stretch>
-        </p:blipFill>
-        <p:spPr>
-          <a:xfrm>
-            <a:off x="1427018" y="2557463"/>
-            <a:ext cx="9469580" cy="3317875"/>
-          </a:xfrm>
-        </p:spPr>
-      </p:pic>
     </p:spTree>
     <p:extLst>
       <p:ext uri="{BB962C8B-B14F-4D97-AF65-F5344CB8AC3E}">
-        <p14:creationId xmlns:p14="http://schemas.microsoft.com/office/powerpoint/2010/main" val="1321999066"/>
+        <p14:creationId xmlns:p14="http://schemas.microsoft.com/office/powerpoint/2010/main" val="2591189106"/>
       </p:ext>
     </p:extLst>
   </p:cSld>
@@ -7683,6 +7853,95 @@
         </p:nvSpPr>
         <p:spPr/>
         <p:txBody>
+          <a:bodyPr/>
+          <a:lstStyle/>
+          <a:p>
+            <a:r>
+              <a:rPr lang="en-US" dirty="0" smtClean="0"/>
+              <a:t>Hotel Rating count</a:t>
+            </a:r>
+            <a:endParaRPr lang="en-IN" dirty="0"/>
+          </a:p>
+        </p:txBody>
+      </p:sp>
+      <p:pic>
+        <p:nvPicPr>
+          <p:cNvPr id="4" name="Content Placeholder 3"/>
+          <p:cNvPicPr>
+            <a:picLocks noGrp="1" noChangeAspect="1"/>
+          </p:cNvPicPr>
+          <p:nvPr>
+            <p:ph idx="1"/>
+          </p:nvPr>
+        </p:nvPicPr>
+        <p:blipFill>
+          <a:blip r:embed="rId2">
+            <a:extLst>
+              <a:ext uri="{28A0092B-C50C-407E-A947-70E740481C1C}">
+                <a14:useLocalDpi xmlns:a14="http://schemas.microsoft.com/office/drawing/2010/main" val="0"/>
+              </a:ext>
+            </a:extLst>
+          </a:blip>
+          <a:stretch>
+            <a:fillRect/>
+          </a:stretch>
+        </p:blipFill>
+        <p:spPr>
+          <a:xfrm>
+            <a:off x="1274618" y="2557463"/>
+            <a:ext cx="9621980" cy="3317875"/>
+          </a:xfrm>
+        </p:spPr>
+      </p:pic>
+    </p:spTree>
+    <p:extLst>
+      <p:ext uri="{BB962C8B-B14F-4D97-AF65-F5344CB8AC3E}">
+        <p14:creationId xmlns:p14="http://schemas.microsoft.com/office/powerpoint/2010/main" val="1321999066"/>
+      </p:ext>
+    </p:extLst>
+  </p:cSld>
+  <p:clrMapOvr>
+    <a:masterClrMapping/>
+  </p:clrMapOvr>
+  <p:timing>
+    <p:tnLst>
+      <p:par>
+        <p:cTn id="1" dur="indefinite" restart="never" nodeType="tmRoot"/>
+      </p:par>
+    </p:tnLst>
+  </p:timing>
+</p:sld>
+</file>
+
+<file path=ppt/slides/slide23.xml><?xml version="1.0" encoding="utf-8"?>
+<p:sld xmlns:a="http://schemas.openxmlformats.org/drawingml/2006/main" xmlns:r="http://schemas.openxmlformats.org/officeDocument/2006/relationships" xmlns:p="http://schemas.openxmlformats.org/presentationml/2006/main">
+  <p:cSld>
+    <p:spTree>
+      <p:nvGrpSpPr>
+        <p:cNvPr id="1" name=""/>
+        <p:cNvGrpSpPr/>
+        <p:nvPr/>
+      </p:nvGrpSpPr>
+      <p:grpSpPr>
+        <a:xfrm>
+          <a:off x="0" y="0"/>
+          <a:ext cx="0" cy="0"/>
+          <a:chOff x="0" y="0"/>
+          <a:chExt cx="0" cy="0"/>
+        </a:xfrm>
+      </p:grpSpPr>
+      <p:sp>
+        <p:nvSpPr>
+          <p:cNvPr id="2" name="Title 1"/>
+          <p:cNvSpPr>
+            <a:spLocks noGrp="1"/>
+          </p:cNvSpPr>
+          <p:nvPr>
+            <p:ph type="title"/>
+          </p:nvPr>
+        </p:nvSpPr>
+        <p:spPr/>
+        <p:txBody>
           <a:bodyPr>
             <a:normAutofit fontScale="90000"/>
           </a:bodyPr>
@@ -7770,7 +8029,979 @@
 </p:sld>
 </file>
 
-<file path=ppt/slides/slide23.xml><?xml version="1.0" encoding="utf-8"?>
+<file path=ppt/slides/slide24.xml><?xml version="1.0" encoding="utf-8"?>
+<p:sld xmlns:a="http://schemas.openxmlformats.org/drawingml/2006/main" xmlns:r="http://schemas.openxmlformats.org/officeDocument/2006/relationships" xmlns:p="http://schemas.openxmlformats.org/presentationml/2006/main">
+  <p:cSld>
+    <p:spTree>
+      <p:nvGrpSpPr>
+        <p:cNvPr id="1" name=""/>
+        <p:cNvGrpSpPr/>
+        <p:nvPr/>
+      </p:nvGrpSpPr>
+      <p:grpSpPr>
+        <a:xfrm>
+          <a:off x="0" y="0"/>
+          <a:ext cx="0" cy="0"/>
+          <a:chOff x="0" y="0"/>
+          <a:chExt cx="0" cy="0"/>
+        </a:xfrm>
+      </p:grpSpPr>
+      <p:sp>
+        <p:nvSpPr>
+          <p:cNvPr id="2" name="Title 1"/>
+          <p:cNvSpPr>
+            <a:spLocks noGrp="1"/>
+          </p:cNvSpPr>
+          <p:nvPr>
+            <p:ph type="title"/>
+          </p:nvPr>
+        </p:nvSpPr>
+        <p:spPr/>
+        <p:txBody>
+          <a:bodyPr/>
+          <a:lstStyle/>
+          <a:p>
+            <a:r>
+              <a:rPr lang="en-US" dirty="0" smtClean="0"/>
+              <a:t> </a:t>
+            </a:r>
+            <a:r>
+              <a:rPr lang="en-US" dirty="0" err="1" smtClean="0"/>
+              <a:t>Payble</a:t>
+            </a:r>
+            <a:r>
+              <a:rPr lang="en-US" dirty="0" smtClean="0"/>
+              <a:t> Amount per night</a:t>
+            </a:r>
+            <a:endParaRPr lang="en-IN" dirty="0"/>
+          </a:p>
+        </p:txBody>
+      </p:sp>
+      <p:pic>
+        <p:nvPicPr>
+          <p:cNvPr id="4" name="Content Placeholder 3"/>
+          <p:cNvPicPr>
+            <a:picLocks noGrp="1" noChangeAspect="1"/>
+          </p:cNvPicPr>
+          <p:nvPr>
+            <p:ph idx="1"/>
+          </p:nvPr>
+        </p:nvPicPr>
+        <p:blipFill>
+          <a:blip r:embed="rId2">
+            <a:extLst>
+              <a:ext uri="{28A0092B-C50C-407E-A947-70E740481C1C}">
+                <a14:useLocalDpi xmlns:a14="http://schemas.microsoft.com/office/drawing/2010/main" val="0"/>
+              </a:ext>
+            </a:extLst>
+          </a:blip>
+          <a:stretch>
+            <a:fillRect/>
+          </a:stretch>
+        </p:blipFill>
+        <p:spPr>
+          <a:xfrm>
+            <a:off x="2743200" y="2557463"/>
+            <a:ext cx="6511635" cy="3330719"/>
+          </a:xfrm>
+        </p:spPr>
+      </p:pic>
+    </p:spTree>
+    <p:extLst>
+      <p:ext uri="{BB962C8B-B14F-4D97-AF65-F5344CB8AC3E}">
+        <p14:creationId xmlns:p14="http://schemas.microsoft.com/office/powerpoint/2010/main" val="3071734335"/>
+      </p:ext>
+    </p:extLst>
+  </p:cSld>
+  <p:clrMapOvr>
+    <a:masterClrMapping/>
+  </p:clrMapOvr>
+  <p:timing>
+    <p:tnLst>
+      <p:par>
+        <p:cTn id="1" dur="indefinite" restart="never" nodeType="tmRoot"/>
+      </p:par>
+    </p:tnLst>
+  </p:timing>
+</p:sld>
+</file>
+
+<file path=ppt/slides/slide25.xml><?xml version="1.0" encoding="utf-8"?>
+<p:sld xmlns:a="http://schemas.openxmlformats.org/drawingml/2006/main" xmlns:r="http://schemas.openxmlformats.org/officeDocument/2006/relationships" xmlns:p="http://schemas.openxmlformats.org/presentationml/2006/main">
+  <p:cSld>
+    <p:spTree>
+      <p:nvGrpSpPr>
+        <p:cNvPr id="1" name=""/>
+        <p:cNvGrpSpPr/>
+        <p:nvPr/>
+      </p:nvGrpSpPr>
+      <p:grpSpPr>
+        <a:xfrm>
+          <a:off x="0" y="0"/>
+          <a:ext cx="0" cy="0"/>
+          <a:chOff x="0" y="0"/>
+          <a:chExt cx="0" cy="0"/>
+        </a:xfrm>
+      </p:grpSpPr>
+      <p:sp>
+        <p:nvSpPr>
+          <p:cNvPr id="2" name="Title 1"/>
+          <p:cNvSpPr>
+            <a:spLocks noGrp="1"/>
+          </p:cNvSpPr>
+          <p:nvPr>
+            <p:ph type="title"/>
+          </p:nvPr>
+        </p:nvSpPr>
+        <p:spPr/>
+        <p:txBody>
+          <a:bodyPr/>
+          <a:lstStyle/>
+          <a:p>
+            <a:r>
+              <a:rPr lang="en-US" dirty="0" smtClean="0"/>
+              <a:t>Insight</a:t>
+            </a:r>
+            <a:endParaRPr lang="en-IN" dirty="0"/>
+          </a:p>
+        </p:txBody>
+      </p:sp>
+      <p:sp>
+        <p:nvSpPr>
+          <p:cNvPr id="3" name="Content Placeholder 2"/>
+          <p:cNvSpPr>
+            <a:spLocks noGrp="1"/>
+          </p:cNvSpPr>
+          <p:nvPr>
+            <p:ph idx="1"/>
+          </p:nvPr>
+        </p:nvSpPr>
+        <p:spPr/>
+        <p:txBody>
+          <a:bodyPr/>
+          <a:lstStyle/>
+          <a:p>
+            <a:r>
+              <a:rPr lang="en-US" dirty="0"/>
+              <a:t> Maximum hotel rent lies </a:t>
+            </a:r>
+            <a:r>
+              <a:rPr lang="en-US" dirty="0" smtClean="0"/>
+              <a:t>1500</a:t>
+            </a:r>
+            <a:endParaRPr lang="en-US" dirty="0"/>
+          </a:p>
+          <a:p>
+            <a:r>
+              <a:rPr lang="en-US" dirty="0"/>
+              <a:t>   H</a:t>
+            </a:r>
+            <a:r>
+              <a:rPr lang="en-US" dirty="0" smtClean="0"/>
+              <a:t>ighest </a:t>
+            </a:r>
+            <a:r>
+              <a:rPr lang="en-US" dirty="0"/>
+              <a:t>rent is </a:t>
+            </a:r>
+            <a:r>
+              <a:rPr lang="en-US" dirty="0" err="1"/>
+              <a:t>approx</a:t>
+            </a:r>
+            <a:r>
+              <a:rPr lang="en-US" dirty="0"/>
+              <a:t> </a:t>
+            </a:r>
+            <a:r>
+              <a:rPr lang="en-US" dirty="0" smtClean="0"/>
+              <a:t>1500</a:t>
+            </a:r>
+            <a:r>
+              <a:rPr lang="en-US" dirty="0"/>
+              <a:t>.</a:t>
+            </a:r>
+          </a:p>
+          <a:p>
+            <a:r>
+              <a:rPr lang="en-US" dirty="0"/>
+              <a:t>   M</a:t>
+            </a:r>
+            <a:r>
+              <a:rPr lang="en-US" dirty="0" smtClean="0"/>
+              <a:t>inimum </a:t>
+            </a:r>
+            <a:r>
+              <a:rPr lang="en-US" dirty="0"/>
+              <a:t>hotels having rent </a:t>
+            </a:r>
+            <a:r>
+              <a:rPr lang="en-US" dirty="0" smtClean="0"/>
+              <a:t>between 3500 to 4500</a:t>
+            </a:r>
+            <a:endParaRPr lang="en-IN" dirty="0"/>
+          </a:p>
+        </p:txBody>
+      </p:sp>
+    </p:spTree>
+    <p:extLst>
+      <p:ext uri="{BB962C8B-B14F-4D97-AF65-F5344CB8AC3E}">
+        <p14:creationId xmlns:p14="http://schemas.microsoft.com/office/powerpoint/2010/main" val="2943512704"/>
+      </p:ext>
+    </p:extLst>
+  </p:cSld>
+  <p:clrMapOvr>
+    <a:masterClrMapping/>
+  </p:clrMapOvr>
+  <p:timing>
+    <p:tnLst>
+      <p:par>
+        <p:cTn id="1" dur="indefinite" restart="never" nodeType="tmRoot"/>
+      </p:par>
+    </p:tnLst>
+  </p:timing>
+</p:sld>
+</file>
+
+<file path=ppt/slides/slide26.xml><?xml version="1.0" encoding="utf-8"?>
+<p:sld xmlns:a="http://schemas.openxmlformats.org/drawingml/2006/main" xmlns:r="http://schemas.openxmlformats.org/officeDocument/2006/relationships" xmlns:p="http://schemas.openxmlformats.org/presentationml/2006/main">
+  <p:cSld>
+    <p:spTree>
+      <p:nvGrpSpPr>
+        <p:cNvPr id="1" name=""/>
+        <p:cNvGrpSpPr/>
+        <p:nvPr/>
+      </p:nvGrpSpPr>
+      <p:grpSpPr>
+        <a:xfrm>
+          <a:off x="0" y="0"/>
+          <a:ext cx="0" cy="0"/>
+          <a:chOff x="0" y="0"/>
+          <a:chExt cx="0" cy="0"/>
+        </a:xfrm>
+      </p:grpSpPr>
+      <p:sp>
+        <p:nvSpPr>
+          <p:cNvPr id="2" name="Title 1"/>
+          <p:cNvSpPr>
+            <a:spLocks noGrp="1"/>
+          </p:cNvSpPr>
+          <p:nvPr>
+            <p:ph type="title"/>
+          </p:nvPr>
+        </p:nvSpPr>
+        <p:spPr/>
+        <p:txBody>
+          <a:bodyPr/>
+          <a:lstStyle/>
+          <a:p>
+            <a:r>
+              <a:rPr lang="en-US" dirty="0" smtClean="0"/>
+              <a:t>Rent vs Room Quality</a:t>
+            </a:r>
+            <a:endParaRPr lang="en-IN" dirty="0"/>
+          </a:p>
+        </p:txBody>
+      </p:sp>
+      <p:pic>
+        <p:nvPicPr>
+          <p:cNvPr id="4" name="Content Placeholder 3"/>
+          <p:cNvPicPr>
+            <a:picLocks noGrp="1" noChangeAspect="1"/>
+          </p:cNvPicPr>
+          <p:nvPr>
+            <p:ph idx="1"/>
+          </p:nvPr>
+        </p:nvPicPr>
+        <p:blipFill>
+          <a:blip r:embed="rId2" cstate="print">
+            <a:extLst>
+              <a:ext uri="{28A0092B-C50C-407E-A947-70E740481C1C}">
+                <a14:useLocalDpi xmlns:a14="http://schemas.microsoft.com/office/drawing/2010/main" val="0"/>
+              </a:ext>
+            </a:extLst>
+          </a:blip>
+          <a:stretch>
+            <a:fillRect/>
+          </a:stretch>
+        </p:blipFill>
+        <p:spPr>
+          <a:xfrm>
+            <a:off x="3061855" y="2521527"/>
+            <a:ext cx="5680363" cy="3435928"/>
+          </a:xfrm>
+        </p:spPr>
+      </p:pic>
+    </p:spTree>
+    <p:extLst>
+      <p:ext uri="{BB962C8B-B14F-4D97-AF65-F5344CB8AC3E}">
+        <p14:creationId xmlns:p14="http://schemas.microsoft.com/office/powerpoint/2010/main" val="2581396715"/>
+      </p:ext>
+    </p:extLst>
+  </p:cSld>
+  <p:clrMapOvr>
+    <a:masterClrMapping/>
+  </p:clrMapOvr>
+  <p:timing>
+    <p:tnLst>
+      <p:par>
+        <p:cTn id="1" dur="indefinite" restart="never" nodeType="tmRoot"/>
+      </p:par>
+    </p:tnLst>
+  </p:timing>
+</p:sld>
+</file>
+
+<file path=ppt/slides/slide27.xml><?xml version="1.0" encoding="utf-8"?>
+<p:sld xmlns:a="http://schemas.openxmlformats.org/drawingml/2006/main" xmlns:r="http://schemas.openxmlformats.org/officeDocument/2006/relationships" xmlns:p="http://schemas.openxmlformats.org/presentationml/2006/main">
+  <p:cSld>
+    <p:spTree>
+      <p:nvGrpSpPr>
+        <p:cNvPr id="1" name=""/>
+        <p:cNvGrpSpPr/>
+        <p:nvPr/>
+      </p:nvGrpSpPr>
+      <p:grpSpPr>
+        <a:xfrm>
+          <a:off x="0" y="0"/>
+          <a:ext cx="0" cy="0"/>
+          <a:chOff x="0" y="0"/>
+          <a:chExt cx="0" cy="0"/>
+        </a:xfrm>
+      </p:grpSpPr>
+      <p:sp>
+        <p:nvSpPr>
+          <p:cNvPr id="2" name="Title 1"/>
+          <p:cNvSpPr>
+            <a:spLocks noGrp="1"/>
+          </p:cNvSpPr>
+          <p:nvPr>
+            <p:ph type="title"/>
+          </p:nvPr>
+        </p:nvSpPr>
+        <p:spPr/>
+        <p:txBody>
+          <a:bodyPr/>
+          <a:lstStyle/>
+          <a:p>
+            <a:r>
+              <a:rPr lang="en-US" dirty="0" smtClean="0"/>
+              <a:t>insight</a:t>
+            </a:r>
+            <a:endParaRPr lang="en-IN" dirty="0"/>
+          </a:p>
+        </p:txBody>
+      </p:sp>
+      <p:sp>
+        <p:nvSpPr>
+          <p:cNvPr id="3" name="Content Placeholder 2"/>
+          <p:cNvSpPr>
+            <a:spLocks noGrp="1"/>
+          </p:cNvSpPr>
+          <p:nvPr>
+            <p:ph idx="1"/>
+          </p:nvPr>
+        </p:nvSpPr>
+        <p:spPr/>
+        <p:txBody>
+          <a:bodyPr/>
+          <a:lstStyle/>
+          <a:p>
+            <a:r>
+              <a:rPr lang="en-US" dirty="0" smtClean="0"/>
+              <a:t> From graph </a:t>
+            </a:r>
+            <a:r>
+              <a:rPr lang="en-US" dirty="0"/>
+              <a:t>it seems that rent is normally distributed as per room quality.</a:t>
+            </a:r>
+          </a:p>
+          <a:p>
+            <a:r>
+              <a:rPr lang="en-US" dirty="0"/>
+              <a:t>  </a:t>
+            </a:r>
+            <a:r>
+              <a:rPr lang="en-US" dirty="0" smtClean="0"/>
+              <a:t>There </a:t>
+            </a:r>
+            <a:r>
+              <a:rPr lang="en-US" dirty="0"/>
+              <a:t>are some outliers, in room </a:t>
+            </a:r>
+            <a:r>
+              <a:rPr lang="en-US" dirty="0" smtClean="0"/>
+              <a:t>quality(Fabulous) </a:t>
+            </a:r>
+            <a:r>
+              <a:rPr lang="en-US" dirty="0"/>
+              <a:t>one of the hotels rent is </a:t>
+            </a:r>
+            <a:r>
+              <a:rPr lang="en-US" dirty="0" err="1"/>
+              <a:t>approx</a:t>
+            </a:r>
+            <a:r>
+              <a:rPr lang="en-US" dirty="0"/>
+              <a:t> </a:t>
+            </a:r>
+            <a:r>
+              <a:rPr lang="en-US" dirty="0" smtClean="0"/>
+              <a:t>5000.</a:t>
+            </a:r>
+            <a:endParaRPr lang="en-US" dirty="0"/>
+          </a:p>
+        </p:txBody>
+      </p:sp>
+    </p:spTree>
+    <p:extLst>
+      <p:ext uri="{BB962C8B-B14F-4D97-AF65-F5344CB8AC3E}">
+        <p14:creationId xmlns:p14="http://schemas.microsoft.com/office/powerpoint/2010/main" val="2350013802"/>
+      </p:ext>
+    </p:extLst>
+  </p:cSld>
+  <p:clrMapOvr>
+    <a:masterClrMapping/>
+  </p:clrMapOvr>
+  <p:timing>
+    <p:tnLst>
+      <p:par>
+        <p:cTn id="1" dur="indefinite" restart="never" nodeType="tmRoot"/>
+      </p:par>
+    </p:tnLst>
+  </p:timing>
+</p:sld>
+</file>
+
+<file path=ppt/slides/slide28.xml><?xml version="1.0" encoding="utf-8"?>
+<p:sld xmlns:a="http://schemas.openxmlformats.org/drawingml/2006/main" xmlns:r="http://schemas.openxmlformats.org/officeDocument/2006/relationships" xmlns:p="http://schemas.openxmlformats.org/presentationml/2006/main">
+  <p:cSld>
+    <p:spTree>
+      <p:nvGrpSpPr>
+        <p:cNvPr id="1" name=""/>
+        <p:cNvGrpSpPr/>
+        <p:nvPr/>
+      </p:nvGrpSpPr>
+      <p:grpSpPr>
+        <a:xfrm>
+          <a:off x="0" y="0"/>
+          <a:ext cx="0" cy="0"/>
+          <a:chOff x="0" y="0"/>
+          <a:chExt cx="0" cy="0"/>
+        </a:xfrm>
+      </p:grpSpPr>
+      <p:sp>
+        <p:nvSpPr>
+          <p:cNvPr id="2" name="Title 1"/>
+          <p:cNvSpPr>
+            <a:spLocks noGrp="1"/>
+          </p:cNvSpPr>
+          <p:nvPr>
+            <p:ph type="title"/>
+          </p:nvPr>
+        </p:nvSpPr>
+        <p:spPr/>
+        <p:txBody>
+          <a:bodyPr/>
+          <a:lstStyle/>
+          <a:p>
+            <a:r>
+              <a:rPr lang="en-US" dirty="0" smtClean="0"/>
+              <a:t>Rating vs Room Quality</a:t>
+            </a:r>
+            <a:endParaRPr lang="en-IN" dirty="0"/>
+          </a:p>
+        </p:txBody>
+      </p:sp>
+      <p:pic>
+        <p:nvPicPr>
+          <p:cNvPr id="4" name="Content Placeholder 3"/>
+          <p:cNvPicPr>
+            <a:picLocks noGrp="1" noChangeAspect="1"/>
+          </p:cNvPicPr>
+          <p:nvPr>
+            <p:ph idx="1"/>
+          </p:nvPr>
+        </p:nvPicPr>
+        <p:blipFill>
+          <a:blip r:embed="rId2" cstate="print">
+            <a:extLst>
+              <a:ext uri="{28A0092B-C50C-407E-A947-70E740481C1C}">
+                <a14:useLocalDpi xmlns:a14="http://schemas.microsoft.com/office/drawing/2010/main" val="0"/>
+              </a:ext>
+            </a:extLst>
+          </a:blip>
+          <a:stretch>
+            <a:fillRect/>
+          </a:stretch>
+        </p:blipFill>
+        <p:spPr>
+          <a:xfrm>
+            <a:off x="3449781" y="2557463"/>
+            <a:ext cx="5417127" cy="3317875"/>
+          </a:xfrm>
+        </p:spPr>
+      </p:pic>
+    </p:spTree>
+    <p:extLst>
+      <p:ext uri="{BB962C8B-B14F-4D97-AF65-F5344CB8AC3E}">
+        <p14:creationId xmlns:p14="http://schemas.microsoft.com/office/powerpoint/2010/main" val="597956654"/>
+      </p:ext>
+    </p:extLst>
+  </p:cSld>
+  <p:clrMapOvr>
+    <a:masterClrMapping/>
+  </p:clrMapOvr>
+  <p:timing>
+    <p:tnLst>
+      <p:par>
+        <p:cTn id="1" dur="indefinite" restart="never" nodeType="tmRoot"/>
+      </p:par>
+    </p:tnLst>
+  </p:timing>
+</p:sld>
+</file>
+
+<file path=ppt/slides/slide29.xml><?xml version="1.0" encoding="utf-8"?>
+<p:sld xmlns:a="http://schemas.openxmlformats.org/drawingml/2006/main" xmlns:r="http://schemas.openxmlformats.org/officeDocument/2006/relationships" xmlns:p="http://schemas.openxmlformats.org/presentationml/2006/main">
+  <p:cSld>
+    <p:spTree>
+      <p:nvGrpSpPr>
+        <p:cNvPr id="1" name=""/>
+        <p:cNvGrpSpPr/>
+        <p:nvPr/>
+      </p:nvGrpSpPr>
+      <p:grpSpPr>
+        <a:xfrm>
+          <a:off x="0" y="0"/>
+          <a:ext cx="0" cy="0"/>
+          <a:chOff x="0" y="0"/>
+          <a:chExt cx="0" cy="0"/>
+        </a:xfrm>
+      </p:grpSpPr>
+      <p:sp>
+        <p:nvSpPr>
+          <p:cNvPr id="2" name="Title 1"/>
+          <p:cNvSpPr>
+            <a:spLocks noGrp="1"/>
+          </p:cNvSpPr>
+          <p:nvPr>
+            <p:ph type="title"/>
+          </p:nvPr>
+        </p:nvSpPr>
+        <p:spPr/>
+        <p:txBody>
+          <a:bodyPr/>
+          <a:lstStyle/>
+          <a:p>
+            <a:r>
+              <a:rPr lang="en-US" dirty="0" smtClean="0"/>
+              <a:t>Insights</a:t>
+            </a:r>
+            <a:endParaRPr lang="en-IN" dirty="0"/>
+          </a:p>
+        </p:txBody>
+      </p:sp>
+      <p:sp>
+        <p:nvSpPr>
+          <p:cNvPr id="3" name="Content Placeholder 2"/>
+          <p:cNvSpPr>
+            <a:spLocks noGrp="1"/>
+          </p:cNvSpPr>
+          <p:nvPr>
+            <p:ph idx="1"/>
+          </p:nvPr>
+        </p:nvSpPr>
+        <p:spPr/>
+        <p:txBody>
+          <a:bodyPr/>
+          <a:lstStyle/>
+          <a:p>
+            <a:r>
+              <a:rPr lang="en-US" dirty="0"/>
+              <a:t>For very good room quality rating is outlier rating which is almost 0.</a:t>
+            </a:r>
+          </a:p>
+          <a:p>
+            <a:r>
+              <a:rPr lang="en-US" dirty="0"/>
+              <a:t>For very good room quality rating is starting from </a:t>
+            </a:r>
+            <a:r>
+              <a:rPr lang="en-US" dirty="0" smtClean="0"/>
+              <a:t>2 </a:t>
+            </a:r>
+            <a:r>
+              <a:rPr lang="en-US" dirty="0"/>
+              <a:t>to 3.5 .</a:t>
+            </a:r>
+          </a:p>
+          <a:p>
+            <a:r>
+              <a:rPr lang="en-US" dirty="0"/>
+              <a:t> For fabulous room quality rating is starts from 4.5 to 5 </a:t>
+            </a:r>
+            <a:r>
+              <a:rPr lang="en-US" dirty="0" smtClean="0"/>
+              <a:t>stars that </a:t>
+            </a:r>
+            <a:r>
+              <a:rPr lang="en-US" dirty="0"/>
+              <a:t>is highest </a:t>
+            </a:r>
+            <a:r>
+              <a:rPr lang="en-US" dirty="0" smtClean="0"/>
+              <a:t>rating</a:t>
+            </a:r>
+            <a:endParaRPr lang="en-US" dirty="0"/>
+          </a:p>
+          <a:p>
+            <a:endParaRPr lang="en-IN" dirty="0"/>
+          </a:p>
+        </p:txBody>
+      </p:sp>
+    </p:spTree>
+    <p:extLst>
+      <p:ext uri="{BB962C8B-B14F-4D97-AF65-F5344CB8AC3E}">
+        <p14:creationId xmlns:p14="http://schemas.microsoft.com/office/powerpoint/2010/main" val="2917328658"/>
+      </p:ext>
+    </p:extLst>
+  </p:cSld>
+  <p:clrMapOvr>
+    <a:masterClrMapping/>
+  </p:clrMapOvr>
+  <p:timing>
+    <p:tnLst>
+      <p:par>
+        <p:cTn id="1" dur="indefinite" restart="never" nodeType="tmRoot"/>
+      </p:par>
+    </p:tnLst>
+  </p:timing>
+</p:sld>
+</file>
+
+<file path=ppt/slides/slide3.xml><?xml version="1.0" encoding="utf-8"?>
+<p:sld xmlns:a="http://schemas.openxmlformats.org/drawingml/2006/main" xmlns:r="http://schemas.openxmlformats.org/officeDocument/2006/relationships" xmlns:p="http://schemas.openxmlformats.org/presentationml/2006/main">
+  <p:cSld>
+    <p:spTree>
+      <p:nvGrpSpPr>
+        <p:cNvPr id="1" name=""/>
+        <p:cNvGrpSpPr/>
+        <p:nvPr/>
+      </p:nvGrpSpPr>
+      <p:grpSpPr>
+        <a:xfrm>
+          <a:off x="0" y="0"/>
+          <a:ext cx="0" cy="0"/>
+          <a:chOff x="0" y="0"/>
+          <a:chExt cx="0" cy="0"/>
+        </a:xfrm>
+      </p:grpSpPr>
+      <p:sp>
+        <p:nvSpPr>
+          <p:cNvPr id="2" name="Title 1"/>
+          <p:cNvSpPr>
+            <a:spLocks noGrp="1"/>
+          </p:cNvSpPr>
+          <p:nvPr>
+            <p:ph type="title"/>
+          </p:nvPr>
+        </p:nvSpPr>
+        <p:spPr/>
+        <p:txBody>
+          <a:bodyPr/>
+          <a:lstStyle/>
+          <a:p>
+            <a:r>
+              <a:rPr lang="en-US" dirty="0" smtClean="0"/>
+              <a:t>LIBRARY IN PROJECT</a:t>
+            </a:r>
+            <a:endParaRPr lang="en-IN" dirty="0"/>
+          </a:p>
+        </p:txBody>
+      </p:sp>
+      <p:sp>
+        <p:nvSpPr>
+          <p:cNvPr id="3" name="Content Placeholder 2"/>
+          <p:cNvSpPr>
+            <a:spLocks noGrp="1"/>
+          </p:cNvSpPr>
+          <p:nvPr>
+            <p:ph idx="1"/>
+          </p:nvPr>
+        </p:nvSpPr>
+        <p:spPr/>
+        <p:txBody>
+          <a:bodyPr/>
+          <a:lstStyle/>
+          <a:p>
+            <a:r>
+              <a:rPr lang="en-US" dirty="0" smtClean="0"/>
+              <a:t>NUMPY</a:t>
+            </a:r>
+          </a:p>
+          <a:p>
+            <a:r>
+              <a:rPr lang="en-US" dirty="0" smtClean="0"/>
+              <a:t>PANDAS</a:t>
+            </a:r>
+          </a:p>
+          <a:p>
+            <a:r>
+              <a:rPr lang="en-US" dirty="0" smtClean="0"/>
+              <a:t>MATPLOTLIB</a:t>
+            </a:r>
+          </a:p>
+          <a:p>
+            <a:r>
+              <a:rPr lang="en-US" dirty="0" smtClean="0"/>
+              <a:t>SEABORN</a:t>
+            </a:r>
+          </a:p>
+          <a:p>
+            <a:r>
+              <a:rPr lang="en-US" dirty="0" smtClean="0"/>
+              <a:t>BEAUTIFULSOUP</a:t>
+            </a:r>
+          </a:p>
+          <a:p>
+            <a:r>
+              <a:rPr lang="en-US" dirty="0" smtClean="0"/>
+              <a:t>REGEX</a:t>
+            </a:r>
+          </a:p>
+          <a:p>
+            <a:endParaRPr lang="en-US" dirty="0" smtClean="0"/>
+          </a:p>
+          <a:p>
+            <a:endParaRPr lang="en-IN" dirty="0"/>
+          </a:p>
+        </p:txBody>
+      </p:sp>
+    </p:spTree>
+    <p:extLst>
+      <p:ext uri="{BB962C8B-B14F-4D97-AF65-F5344CB8AC3E}">
+        <p14:creationId xmlns:p14="http://schemas.microsoft.com/office/powerpoint/2010/main" val="4155030697"/>
+      </p:ext>
+    </p:extLst>
+  </p:cSld>
+  <p:clrMapOvr>
+    <a:masterClrMapping/>
+  </p:clrMapOvr>
+  <p:timing>
+    <p:tnLst>
+      <p:par>
+        <p:cTn id="1" dur="indefinite" restart="never" nodeType="tmRoot"/>
+      </p:par>
+    </p:tnLst>
+  </p:timing>
+</p:sld>
+</file>
+
+<file path=ppt/slides/slide30.xml><?xml version="1.0" encoding="utf-8"?>
+<p:sld xmlns:a="http://schemas.openxmlformats.org/drawingml/2006/main" xmlns:r="http://schemas.openxmlformats.org/officeDocument/2006/relationships" xmlns:p="http://schemas.openxmlformats.org/presentationml/2006/main">
+  <p:cSld>
+    <p:spTree>
+      <p:nvGrpSpPr>
+        <p:cNvPr id="1" name=""/>
+        <p:cNvGrpSpPr/>
+        <p:nvPr/>
+      </p:nvGrpSpPr>
+      <p:grpSpPr>
+        <a:xfrm>
+          <a:off x="0" y="0"/>
+          <a:ext cx="0" cy="0"/>
+          <a:chOff x="0" y="0"/>
+          <a:chExt cx="0" cy="0"/>
+        </a:xfrm>
+      </p:grpSpPr>
+      <p:sp>
+        <p:nvSpPr>
+          <p:cNvPr id="2" name="Title 1"/>
+          <p:cNvSpPr>
+            <a:spLocks noGrp="1"/>
+          </p:cNvSpPr>
+          <p:nvPr>
+            <p:ph type="title"/>
+          </p:nvPr>
+        </p:nvSpPr>
+        <p:spPr/>
+        <p:txBody>
+          <a:bodyPr/>
+          <a:lstStyle/>
+          <a:p>
+            <a:r>
+              <a:rPr lang="en-US" dirty="0" smtClean="0"/>
+              <a:t>Co-relation</a:t>
+            </a:r>
+            <a:endParaRPr lang="en-IN" dirty="0"/>
+          </a:p>
+        </p:txBody>
+      </p:sp>
+      <p:pic>
+        <p:nvPicPr>
+          <p:cNvPr id="4" name="Content Placeholder 3"/>
+          <p:cNvPicPr>
+            <a:picLocks noGrp="1" noChangeAspect="1"/>
+          </p:cNvPicPr>
+          <p:nvPr>
+            <p:ph idx="1"/>
+          </p:nvPr>
+        </p:nvPicPr>
+        <p:blipFill>
+          <a:blip r:embed="rId2" cstate="print">
+            <a:extLst>
+              <a:ext uri="{28A0092B-C50C-407E-A947-70E740481C1C}">
+                <a14:useLocalDpi xmlns:a14="http://schemas.microsoft.com/office/drawing/2010/main" val="0"/>
+              </a:ext>
+            </a:extLst>
+          </a:blip>
+          <a:stretch>
+            <a:fillRect/>
+          </a:stretch>
+        </p:blipFill>
+        <p:spPr>
+          <a:xfrm>
+            <a:off x="2715491" y="2535381"/>
+            <a:ext cx="7592289" cy="3560619"/>
+          </a:xfrm>
+        </p:spPr>
+      </p:pic>
+    </p:spTree>
+    <p:extLst>
+      <p:ext uri="{BB962C8B-B14F-4D97-AF65-F5344CB8AC3E}">
+        <p14:creationId xmlns:p14="http://schemas.microsoft.com/office/powerpoint/2010/main" val="1375985067"/>
+      </p:ext>
+    </p:extLst>
+  </p:cSld>
+  <p:clrMapOvr>
+    <a:masterClrMapping/>
+  </p:clrMapOvr>
+  <p:timing>
+    <p:tnLst>
+      <p:par>
+        <p:cTn id="1" dur="indefinite" restart="never" nodeType="tmRoot"/>
+      </p:par>
+    </p:tnLst>
+  </p:timing>
+</p:sld>
+</file>
+
+<file path=ppt/slides/slide31.xml><?xml version="1.0" encoding="utf-8"?>
+<p:sld xmlns:a="http://schemas.openxmlformats.org/drawingml/2006/main" xmlns:r="http://schemas.openxmlformats.org/officeDocument/2006/relationships" xmlns:p="http://schemas.openxmlformats.org/presentationml/2006/main">
+  <p:cSld>
+    <p:spTree>
+      <p:nvGrpSpPr>
+        <p:cNvPr id="1" name=""/>
+        <p:cNvGrpSpPr/>
+        <p:nvPr/>
+      </p:nvGrpSpPr>
+      <p:grpSpPr>
+        <a:xfrm>
+          <a:off x="0" y="0"/>
+          <a:ext cx="0" cy="0"/>
+          <a:chOff x="0" y="0"/>
+          <a:chExt cx="0" cy="0"/>
+        </a:xfrm>
+      </p:grpSpPr>
+      <p:sp>
+        <p:nvSpPr>
+          <p:cNvPr id="2" name="Title 1"/>
+          <p:cNvSpPr>
+            <a:spLocks noGrp="1"/>
+          </p:cNvSpPr>
+          <p:nvPr>
+            <p:ph type="title"/>
+          </p:nvPr>
+        </p:nvSpPr>
+        <p:spPr/>
+        <p:txBody>
+          <a:bodyPr/>
+          <a:lstStyle/>
+          <a:p>
+            <a:r>
+              <a:rPr lang="en-US" dirty="0" smtClean="0"/>
+              <a:t>insights</a:t>
+            </a:r>
+            <a:endParaRPr lang="en-IN" dirty="0"/>
+          </a:p>
+        </p:txBody>
+      </p:sp>
+      <p:sp>
+        <p:nvSpPr>
+          <p:cNvPr id="3" name="Content Placeholder 2"/>
+          <p:cNvSpPr>
+            <a:spLocks noGrp="1"/>
+          </p:cNvSpPr>
+          <p:nvPr>
+            <p:ph idx="1"/>
+          </p:nvPr>
+        </p:nvSpPr>
+        <p:spPr/>
+        <p:txBody>
+          <a:bodyPr/>
+          <a:lstStyle/>
+          <a:p>
+            <a:r>
+              <a:rPr lang="en-US" dirty="0" smtClean="0"/>
+              <a:t> </a:t>
+            </a:r>
+            <a:r>
+              <a:rPr lang="en-US" dirty="0"/>
+              <a:t>original rent and review rating is highly co-related</a:t>
+            </a:r>
+          </a:p>
+          <a:p>
+            <a:r>
+              <a:rPr lang="en-US" dirty="0" err="1"/>
+              <a:t>P</a:t>
+            </a:r>
+            <a:r>
+              <a:rPr lang="en-US" dirty="0" err="1" smtClean="0"/>
+              <a:t>ayble</a:t>
+            </a:r>
+            <a:r>
+              <a:rPr lang="en-US" dirty="0" smtClean="0"/>
+              <a:t> </a:t>
+            </a:r>
+            <a:r>
+              <a:rPr lang="en-US" dirty="0"/>
+              <a:t>amount and original amount is also highly co-</a:t>
+            </a:r>
+            <a:r>
+              <a:rPr lang="en-US" dirty="0" err="1"/>
+              <a:t>rellated</a:t>
+            </a:r>
+            <a:endParaRPr lang="en-US" dirty="0"/>
+          </a:p>
+          <a:p>
+            <a:r>
+              <a:rPr lang="en-US" dirty="0" smtClean="0"/>
+              <a:t>Review </a:t>
+            </a:r>
+            <a:r>
+              <a:rPr lang="en-US" dirty="0"/>
+              <a:t>and original rent also highly positive co-related</a:t>
+            </a:r>
+          </a:p>
+          <a:p>
+            <a:endParaRPr lang="en-IN" dirty="0"/>
+          </a:p>
+        </p:txBody>
+      </p:sp>
+    </p:spTree>
+    <p:extLst>
+      <p:ext uri="{BB962C8B-B14F-4D97-AF65-F5344CB8AC3E}">
+        <p14:creationId xmlns:p14="http://schemas.microsoft.com/office/powerpoint/2010/main" val="883766018"/>
+      </p:ext>
+    </p:extLst>
+  </p:cSld>
+  <p:clrMapOvr>
+    <a:masterClrMapping/>
+  </p:clrMapOvr>
+</p:sld>
+</file>
+
+<file path=ppt/slides/slide32.xml><?xml version="1.0" encoding="utf-8"?>
 <p:sld xmlns:a="http://schemas.openxmlformats.org/drawingml/2006/main" xmlns:r="http://schemas.openxmlformats.org/officeDocument/2006/relationships" xmlns:p="http://schemas.openxmlformats.org/presentationml/2006/main">
   <p:cSld>
     <p:spTree>
@@ -7864,7 +9095,7 @@
 </p:sld>
 </file>
 
-<file path=ppt/slides/slide24.xml><?xml version="1.0" encoding="utf-8"?>
+<file path=ppt/slides/slide33.xml><?xml version="1.0" encoding="utf-8"?>
 <p:sld xmlns:a="http://schemas.openxmlformats.org/drawingml/2006/main" xmlns:r="http://schemas.openxmlformats.org/officeDocument/2006/relationships" xmlns:p="http://schemas.openxmlformats.org/presentationml/2006/main">
   <p:cSld>
     <p:spTree>
@@ -7953,7 +9184,7 @@
 </p:sld>
 </file>
 
-<file path=ppt/slides/slide25.xml><?xml version="1.0" encoding="utf-8"?>
+<file path=ppt/slides/slide34.xml><?xml version="1.0" encoding="utf-8"?>
 <p:sld xmlns:a="http://schemas.openxmlformats.org/drawingml/2006/main" xmlns:r="http://schemas.openxmlformats.org/officeDocument/2006/relationships" xmlns:p="http://schemas.openxmlformats.org/presentationml/2006/main">
   <p:cSld>
     <p:spTree>
@@ -8067,7 +9298,660 @@
 </p:sld>
 </file>
 
-<file path=ppt/slides/slide26.xml><?xml version="1.0" encoding="utf-8"?>
+<file path=ppt/slides/slide35.xml><?xml version="1.0" encoding="utf-8"?>
+<p:sld xmlns:a="http://schemas.openxmlformats.org/drawingml/2006/main" xmlns:r="http://schemas.openxmlformats.org/officeDocument/2006/relationships" xmlns:p="http://schemas.openxmlformats.org/presentationml/2006/main">
+  <p:cSld>
+    <p:spTree>
+      <p:nvGrpSpPr>
+        <p:cNvPr id="1" name=""/>
+        <p:cNvGrpSpPr/>
+        <p:nvPr/>
+      </p:nvGrpSpPr>
+      <p:grpSpPr>
+        <a:xfrm>
+          <a:off x="0" y="0"/>
+          <a:ext cx="0" cy="0"/>
+          <a:chOff x="0" y="0"/>
+          <a:chExt cx="0" cy="0"/>
+        </a:xfrm>
+      </p:grpSpPr>
+      <p:sp>
+        <p:nvSpPr>
+          <p:cNvPr id="2" name="Title 1"/>
+          <p:cNvSpPr>
+            <a:spLocks noGrp="1"/>
+          </p:cNvSpPr>
+          <p:nvPr>
+            <p:ph type="title"/>
+          </p:nvPr>
+        </p:nvSpPr>
+        <p:spPr/>
+        <p:txBody>
+          <a:bodyPr>
+            <a:normAutofit fontScale="90000"/>
+          </a:bodyPr>
+          <a:lstStyle/>
+          <a:p>
+            <a:r>
+              <a:rPr lang="en-US" dirty="0" smtClean="0"/>
+              <a:t>Discount distribution among different city area</a:t>
+            </a:r>
+            <a:endParaRPr lang="en-IN" dirty="0"/>
+          </a:p>
+        </p:txBody>
+      </p:sp>
+      <p:pic>
+        <p:nvPicPr>
+          <p:cNvPr id="4" name="Content Placeholder 3"/>
+          <p:cNvPicPr>
+            <a:picLocks noGrp="1" noChangeAspect="1"/>
+          </p:cNvPicPr>
+          <p:nvPr>
+            <p:ph idx="1"/>
+          </p:nvPr>
+        </p:nvPicPr>
+        <p:blipFill>
+          <a:blip r:embed="rId2">
+            <a:extLst>
+              <a:ext uri="{28A0092B-C50C-407E-A947-70E740481C1C}">
+                <a14:useLocalDpi xmlns:a14="http://schemas.microsoft.com/office/drawing/2010/main" val="0"/>
+              </a:ext>
+            </a:extLst>
+          </a:blip>
+          <a:stretch>
+            <a:fillRect/>
+          </a:stretch>
+        </p:blipFill>
+        <p:spPr>
+          <a:xfrm>
+            <a:off x="2050473" y="2535382"/>
+            <a:ext cx="8534399" cy="3435927"/>
+          </a:xfrm>
+        </p:spPr>
+      </p:pic>
+    </p:spTree>
+    <p:extLst>
+      <p:ext uri="{BB962C8B-B14F-4D97-AF65-F5344CB8AC3E}">
+        <p14:creationId xmlns:p14="http://schemas.microsoft.com/office/powerpoint/2010/main" val="1816694563"/>
+      </p:ext>
+    </p:extLst>
+  </p:cSld>
+  <p:clrMapOvr>
+    <a:masterClrMapping/>
+  </p:clrMapOvr>
+</p:sld>
+</file>
+
+<file path=ppt/slides/slide36.xml><?xml version="1.0" encoding="utf-8"?>
+<p:sld xmlns:a="http://schemas.openxmlformats.org/drawingml/2006/main" xmlns:r="http://schemas.openxmlformats.org/officeDocument/2006/relationships" xmlns:p="http://schemas.openxmlformats.org/presentationml/2006/main">
+  <p:cSld>
+    <p:spTree>
+      <p:nvGrpSpPr>
+        <p:cNvPr id="1" name=""/>
+        <p:cNvGrpSpPr/>
+        <p:nvPr/>
+      </p:nvGrpSpPr>
+      <p:grpSpPr>
+        <a:xfrm>
+          <a:off x="0" y="0"/>
+          <a:ext cx="0" cy="0"/>
+          <a:chOff x="0" y="0"/>
+          <a:chExt cx="0" cy="0"/>
+        </a:xfrm>
+      </p:grpSpPr>
+      <p:sp>
+        <p:nvSpPr>
+          <p:cNvPr id="2" name="Title 1"/>
+          <p:cNvSpPr>
+            <a:spLocks noGrp="1"/>
+          </p:cNvSpPr>
+          <p:nvPr>
+            <p:ph type="title"/>
+          </p:nvPr>
+        </p:nvSpPr>
+        <p:spPr/>
+        <p:txBody>
+          <a:bodyPr>
+            <a:normAutofit fontScale="90000"/>
+          </a:bodyPr>
+          <a:lstStyle/>
+          <a:p>
+            <a:r>
+              <a:rPr lang="en-US" dirty="0" smtClean="0"/>
+              <a:t>Discount distribution among hill station area</a:t>
+            </a:r>
+            <a:endParaRPr lang="en-IN" dirty="0"/>
+          </a:p>
+        </p:txBody>
+      </p:sp>
+      <p:pic>
+        <p:nvPicPr>
+          <p:cNvPr id="4" name="Content Placeholder 3"/>
+          <p:cNvPicPr>
+            <a:picLocks noGrp="1" noChangeAspect="1"/>
+          </p:cNvPicPr>
+          <p:nvPr>
+            <p:ph idx="1"/>
+          </p:nvPr>
+        </p:nvPicPr>
+        <p:blipFill>
+          <a:blip r:embed="rId2">
+            <a:extLst>
+              <a:ext uri="{28A0092B-C50C-407E-A947-70E740481C1C}">
+                <a14:useLocalDpi xmlns:a14="http://schemas.microsoft.com/office/drawing/2010/main" val="0"/>
+              </a:ext>
+            </a:extLst>
+          </a:blip>
+          <a:stretch>
+            <a:fillRect/>
+          </a:stretch>
+        </p:blipFill>
+        <p:spPr>
+          <a:xfrm>
+            <a:off x="1995056" y="2563091"/>
+            <a:ext cx="8368144" cy="3380509"/>
+          </a:xfrm>
+        </p:spPr>
+      </p:pic>
+    </p:spTree>
+    <p:extLst>
+      <p:ext uri="{BB962C8B-B14F-4D97-AF65-F5344CB8AC3E}">
+        <p14:creationId xmlns:p14="http://schemas.microsoft.com/office/powerpoint/2010/main" val="1350758062"/>
+      </p:ext>
+    </p:extLst>
+  </p:cSld>
+  <p:clrMapOvr>
+    <a:masterClrMapping/>
+  </p:clrMapOvr>
+</p:sld>
+</file>
+
+<file path=ppt/slides/slide37.xml><?xml version="1.0" encoding="utf-8"?>
+<p:sld xmlns:a="http://schemas.openxmlformats.org/drawingml/2006/main" xmlns:r="http://schemas.openxmlformats.org/officeDocument/2006/relationships" xmlns:p="http://schemas.openxmlformats.org/presentationml/2006/main">
+  <p:cSld>
+    <p:spTree>
+      <p:nvGrpSpPr>
+        <p:cNvPr id="1" name=""/>
+        <p:cNvGrpSpPr/>
+        <p:nvPr/>
+      </p:nvGrpSpPr>
+      <p:grpSpPr>
+        <a:xfrm>
+          <a:off x="0" y="0"/>
+          <a:ext cx="0" cy="0"/>
+          <a:chOff x="0" y="0"/>
+          <a:chExt cx="0" cy="0"/>
+        </a:xfrm>
+      </p:grpSpPr>
+      <p:sp>
+        <p:nvSpPr>
+          <p:cNvPr id="2" name="Title 1"/>
+          <p:cNvSpPr>
+            <a:spLocks noGrp="1"/>
+          </p:cNvSpPr>
+          <p:nvPr>
+            <p:ph type="title"/>
+          </p:nvPr>
+        </p:nvSpPr>
+        <p:spPr/>
+        <p:txBody>
+          <a:bodyPr>
+            <a:normAutofit fontScale="90000"/>
+          </a:bodyPr>
+          <a:lstStyle/>
+          <a:p>
+            <a:r>
+              <a:rPr lang="en-US" dirty="0" smtClean="0"/>
+              <a:t>Insights</a:t>
+            </a:r>
+            <a:br>
+              <a:rPr lang="en-US" dirty="0" smtClean="0"/>
+            </a:br>
+            <a:endParaRPr lang="en-IN" dirty="0"/>
+          </a:p>
+        </p:txBody>
+      </p:sp>
+      <p:sp>
+        <p:nvSpPr>
+          <p:cNvPr id="3" name="Content Placeholder 2"/>
+          <p:cNvSpPr>
+            <a:spLocks noGrp="1"/>
+          </p:cNvSpPr>
+          <p:nvPr>
+            <p:ph idx="1"/>
+          </p:nvPr>
+        </p:nvSpPr>
+        <p:spPr/>
+        <p:txBody>
+          <a:bodyPr/>
+          <a:lstStyle/>
+          <a:p>
+            <a:r>
+              <a:rPr lang="en-US" dirty="0" smtClean="0"/>
+              <a:t> In </a:t>
+            </a:r>
+            <a:r>
+              <a:rPr lang="en-US" dirty="0"/>
+              <a:t>goa the rent is normally distributed , but here some hotels have highest rent .</a:t>
+            </a:r>
+          </a:p>
+          <a:p>
+            <a:r>
+              <a:rPr lang="en-US" dirty="0"/>
+              <a:t>I</a:t>
+            </a:r>
+            <a:r>
+              <a:rPr lang="en-US" dirty="0" smtClean="0"/>
+              <a:t>n </a:t>
+            </a:r>
+            <a:r>
+              <a:rPr lang="en-US" dirty="0" err="1"/>
+              <a:t>shimla</a:t>
+            </a:r>
+            <a:r>
+              <a:rPr lang="en-US" dirty="0"/>
+              <a:t> the rent is normally distributed , but here some hotels have highest rent .</a:t>
+            </a:r>
+          </a:p>
+          <a:p>
+            <a:endParaRPr lang="en-IN" dirty="0"/>
+          </a:p>
+        </p:txBody>
+      </p:sp>
+    </p:spTree>
+    <p:extLst>
+      <p:ext uri="{BB962C8B-B14F-4D97-AF65-F5344CB8AC3E}">
+        <p14:creationId xmlns:p14="http://schemas.microsoft.com/office/powerpoint/2010/main" val="1142431904"/>
+      </p:ext>
+    </p:extLst>
+  </p:cSld>
+  <p:clrMapOvr>
+    <a:masterClrMapping/>
+  </p:clrMapOvr>
+</p:sld>
+</file>
+
+<file path=ppt/slides/slide38.xml><?xml version="1.0" encoding="utf-8"?>
+<p:sld xmlns:a="http://schemas.openxmlformats.org/drawingml/2006/main" xmlns:r="http://schemas.openxmlformats.org/officeDocument/2006/relationships" xmlns:p="http://schemas.openxmlformats.org/presentationml/2006/main">
+  <p:cSld>
+    <p:spTree>
+      <p:nvGrpSpPr>
+        <p:cNvPr id="1" name=""/>
+        <p:cNvGrpSpPr/>
+        <p:nvPr/>
+      </p:nvGrpSpPr>
+      <p:grpSpPr>
+        <a:xfrm>
+          <a:off x="0" y="0"/>
+          <a:ext cx="0" cy="0"/>
+          <a:chOff x="0" y="0"/>
+          <a:chExt cx="0" cy="0"/>
+        </a:xfrm>
+      </p:grpSpPr>
+      <p:sp>
+        <p:nvSpPr>
+          <p:cNvPr id="2" name="Title 1"/>
+          <p:cNvSpPr>
+            <a:spLocks noGrp="1"/>
+          </p:cNvSpPr>
+          <p:nvPr>
+            <p:ph type="title"/>
+          </p:nvPr>
+        </p:nvSpPr>
+        <p:spPr/>
+        <p:txBody>
+          <a:bodyPr/>
+          <a:lstStyle/>
+          <a:p>
+            <a:r>
+              <a:rPr lang="en-US" dirty="0" smtClean="0"/>
+              <a:t>Pair plot</a:t>
+            </a:r>
+            <a:endParaRPr lang="en-IN" dirty="0"/>
+          </a:p>
+        </p:txBody>
+      </p:sp>
+      <p:pic>
+        <p:nvPicPr>
+          <p:cNvPr id="4" name="Content Placeholder 3"/>
+          <p:cNvPicPr>
+            <a:picLocks noGrp="1" noChangeAspect="1"/>
+          </p:cNvPicPr>
+          <p:nvPr>
+            <p:ph idx="1"/>
+          </p:nvPr>
+        </p:nvPicPr>
+        <p:blipFill>
+          <a:blip r:embed="rId2" cstate="print">
+            <a:extLst>
+              <a:ext uri="{28A0092B-C50C-407E-A947-70E740481C1C}">
+                <a14:useLocalDpi xmlns:a14="http://schemas.microsoft.com/office/drawing/2010/main" val="0"/>
+              </a:ext>
+            </a:extLst>
+          </a:blip>
+          <a:stretch>
+            <a:fillRect/>
+          </a:stretch>
+        </p:blipFill>
+        <p:spPr>
+          <a:xfrm>
+            <a:off x="3034146" y="2493818"/>
+            <a:ext cx="5597236" cy="3685309"/>
+          </a:xfrm>
+        </p:spPr>
+      </p:pic>
+    </p:spTree>
+    <p:extLst>
+      <p:ext uri="{BB962C8B-B14F-4D97-AF65-F5344CB8AC3E}">
+        <p14:creationId xmlns:p14="http://schemas.microsoft.com/office/powerpoint/2010/main" val="663363320"/>
+      </p:ext>
+    </p:extLst>
+  </p:cSld>
+  <p:clrMapOvr>
+    <a:masterClrMapping/>
+  </p:clrMapOvr>
+</p:sld>
+</file>
+
+<file path=ppt/slides/slide39.xml><?xml version="1.0" encoding="utf-8"?>
+<p:sld xmlns:a="http://schemas.openxmlformats.org/drawingml/2006/main" xmlns:r="http://schemas.openxmlformats.org/officeDocument/2006/relationships" xmlns:p="http://schemas.openxmlformats.org/presentationml/2006/main">
+  <p:cSld>
+    <p:spTree>
+      <p:nvGrpSpPr>
+        <p:cNvPr id="1" name=""/>
+        <p:cNvGrpSpPr/>
+        <p:nvPr/>
+      </p:nvGrpSpPr>
+      <p:grpSpPr>
+        <a:xfrm>
+          <a:off x="0" y="0"/>
+          <a:ext cx="0" cy="0"/>
+          <a:chOff x="0" y="0"/>
+          <a:chExt cx="0" cy="0"/>
+        </a:xfrm>
+      </p:grpSpPr>
+      <p:sp>
+        <p:nvSpPr>
+          <p:cNvPr id="2" name="Title 1"/>
+          <p:cNvSpPr>
+            <a:spLocks noGrp="1"/>
+          </p:cNvSpPr>
+          <p:nvPr>
+            <p:ph type="title"/>
+          </p:nvPr>
+        </p:nvSpPr>
+        <p:spPr/>
+        <p:txBody>
+          <a:bodyPr>
+            <a:normAutofit fontScale="90000"/>
+          </a:bodyPr>
+          <a:lstStyle/>
+          <a:p>
+            <a:r>
+              <a:rPr lang="en-US" dirty="0" smtClean="0"/>
+              <a:t>Insights</a:t>
+            </a:r>
+            <a:br>
+              <a:rPr lang="en-US" dirty="0" smtClean="0"/>
+            </a:br>
+            <a:endParaRPr lang="en-IN" dirty="0"/>
+          </a:p>
+        </p:txBody>
+      </p:sp>
+      <p:sp>
+        <p:nvSpPr>
+          <p:cNvPr id="3" name="Content Placeholder 2"/>
+          <p:cNvSpPr>
+            <a:spLocks noGrp="1"/>
+          </p:cNvSpPr>
+          <p:nvPr>
+            <p:ph idx="1"/>
+          </p:nvPr>
+        </p:nvSpPr>
+        <p:spPr/>
+        <p:txBody>
+          <a:bodyPr/>
+          <a:lstStyle/>
+          <a:p>
+            <a:r>
+              <a:rPr lang="en-US" dirty="0"/>
+              <a:t>The higher the original rent, the greater the amount the user has to pay. However, it is important to note that there is a linearly increasing trend based on this </a:t>
+            </a:r>
+            <a:r>
+              <a:rPr lang="en-US" dirty="0" smtClean="0"/>
+              <a:t>observation. we </a:t>
+            </a:r>
+            <a:r>
+              <a:rPr lang="en-US" dirty="0"/>
+              <a:t>cannot conclude </a:t>
+            </a:r>
+            <a:r>
+              <a:rPr lang="en-US" dirty="0" smtClean="0"/>
+              <a:t>when the higher rent</a:t>
+            </a:r>
+            <a:r>
+              <a:rPr lang="en-US" dirty="0"/>
+              <a:t>, </a:t>
+            </a:r>
+            <a:r>
+              <a:rPr lang="en-US" dirty="0" smtClean="0"/>
+              <a:t>the rating is high. </a:t>
+            </a:r>
+            <a:r>
+              <a:rPr lang="en-US" dirty="0"/>
+              <a:t>The rating is completely independent.</a:t>
+            </a:r>
+          </a:p>
+        </p:txBody>
+      </p:sp>
+    </p:spTree>
+    <p:extLst>
+      <p:ext uri="{BB962C8B-B14F-4D97-AF65-F5344CB8AC3E}">
+        <p14:creationId xmlns:p14="http://schemas.microsoft.com/office/powerpoint/2010/main" val="2946980875"/>
+      </p:ext>
+    </p:extLst>
+  </p:cSld>
+  <p:clrMapOvr>
+    <a:masterClrMapping/>
+  </p:clrMapOvr>
+</p:sld>
+</file>
+
+<file path=ppt/slides/slide4.xml><?xml version="1.0" encoding="utf-8"?>
+<p:sld xmlns:a="http://schemas.openxmlformats.org/drawingml/2006/main" xmlns:r="http://schemas.openxmlformats.org/officeDocument/2006/relationships" xmlns:p="http://schemas.openxmlformats.org/presentationml/2006/main">
+  <p:cSld>
+    <p:spTree>
+      <p:nvGrpSpPr>
+        <p:cNvPr id="1" name=""/>
+        <p:cNvGrpSpPr/>
+        <p:nvPr/>
+      </p:nvGrpSpPr>
+      <p:grpSpPr>
+        <a:xfrm>
+          <a:off x="0" y="0"/>
+          <a:ext cx="0" cy="0"/>
+          <a:chOff x="0" y="0"/>
+          <a:chExt cx="0" cy="0"/>
+        </a:xfrm>
+      </p:grpSpPr>
+      <p:sp>
+        <p:nvSpPr>
+          <p:cNvPr id="2" name="Title 1"/>
+          <p:cNvSpPr>
+            <a:spLocks noGrp="1"/>
+          </p:cNvSpPr>
+          <p:nvPr>
+            <p:ph type="title"/>
+          </p:nvPr>
+        </p:nvSpPr>
+        <p:spPr/>
+        <p:txBody>
+          <a:bodyPr/>
+          <a:lstStyle/>
+          <a:p>
+            <a:r>
+              <a:rPr lang="en-US" dirty="0" smtClean="0"/>
+              <a:t>DATA COLLECTION</a:t>
+            </a:r>
+            <a:endParaRPr lang="en-IN" dirty="0"/>
+          </a:p>
+        </p:txBody>
+      </p:sp>
+      <p:sp>
+        <p:nvSpPr>
+          <p:cNvPr id="3" name="Content Placeholder 2"/>
+          <p:cNvSpPr>
+            <a:spLocks noGrp="1"/>
+          </p:cNvSpPr>
+          <p:nvPr>
+            <p:ph idx="1"/>
+          </p:nvPr>
+        </p:nvSpPr>
+        <p:spPr/>
+        <p:txBody>
+          <a:bodyPr>
+            <a:normAutofit fontScale="92500" lnSpcReduction="20000"/>
+          </a:bodyPr>
+          <a:lstStyle/>
+          <a:p>
+            <a:r>
+              <a:rPr lang="en-US" dirty="0" smtClean="0"/>
+              <a:t>COLLECT DATA THROUGH WEB SCRAPPING</a:t>
+            </a:r>
+          </a:p>
+          <a:p>
+            <a:endParaRPr lang="en-US" dirty="0" smtClean="0"/>
+          </a:p>
+          <a:p>
+            <a:r>
+              <a:rPr lang="en-US" dirty="0" smtClean="0"/>
+              <a:t>Web scrapping is the process of extracting meaningful and useful data from website using different technique</a:t>
+            </a:r>
+          </a:p>
+          <a:p>
+            <a:endParaRPr lang="en-US" dirty="0" smtClean="0"/>
+          </a:p>
+          <a:p>
+            <a:r>
+              <a:rPr lang="en-US" dirty="0" smtClean="0"/>
+              <a:t>Using Beautiful Soup user can scrap data from website</a:t>
+            </a:r>
+          </a:p>
+          <a:p>
+            <a:endParaRPr lang="en-US" dirty="0" smtClean="0"/>
+          </a:p>
+          <a:p>
+            <a:r>
+              <a:rPr lang="en-US" dirty="0" smtClean="0"/>
+              <a:t>Website for scrapping data – oyorooms.com</a:t>
+            </a:r>
+            <a:endParaRPr lang="en-IN" dirty="0"/>
+          </a:p>
+        </p:txBody>
+      </p:sp>
+    </p:spTree>
+    <p:extLst>
+      <p:ext uri="{BB962C8B-B14F-4D97-AF65-F5344CB8AC3E}">
+        <p14:creationId xmlns:p14="http://schemas.microsoft.com/office/powerpoint/2010/main" val="2926413922"/>
+      </p:ext>
+    </p:extLst>
+  </p:cSld>
+  <p:clrMapOvr>
+    <a:masterClrMapping/>
+  </p:clrMapOvr>
+  <p:timing>
+    <p:tnLst>
+      <p:par>
+        <p:cTn id="1" dur="indefinite" restart="never" nodeType="tmRoot"/>
+      </p:par>
+    </p:tnLst>
+  </p:timing>
+</p:sld>
+</file>
+
+<file path=ppt/slides/slide40.xml><?xml version="1.0" encoding="utf-8"?>
+<p:sld xmlns:a="http://schemas.openxmlformats.org/drawingml/2006/main" xmlns:r="http://schemas.openxmlformats.org/officeDocument/2006/relationships" xmlns:p="http://schemas.openxmlformats.org/presentationml/2006/main">
+  <p:cSld>
+    <p:spTree>
+      <p:nvGrpSpPr>
+        <p:cNvPr id="1" name=""/>
+        <p:cNvGrpSpPr/>
+        <p:nvPr/>
+      </p:nvGrpSpPr>
+      <p:grpSpPr>
+        <a:xfrm>
+          <a:off x="0" y="0"/>
+          <a:ext cx="0" cy="0"/>
+          <a:chOff x="0" y="0"/>
+          <a:chExt cx="0" cy="0"/>
+        </a:xfrm>
+      </p:grpSpPr>
+      <p:sp>
+        <p:nvSpPr>
+          <p:cNvPr id="2" name="Title 1"/>
+          <p:cNvSpPr>
+            <a:spLocks noGrp="1"/>
+          </p:cNvSpPr>
+          <p:nvPr>
+            <p:ph type="title"/>
+          </p:nvPr>
+        </p:nvSpPr>
+        <p:spPr/>
+        <p:txBody>
+          <a:bodyPr/>
+          <a:lstStyle/>
+          <a:p>
+            <a:r>
+              <a:rPr lang="en-US" dirty="0" smtClean="0"/>
+              <a:t>Small recommender system</a:t>
+            </a:r>
+            <a:endParaRPr lang="en-IN" dirty="0"/>
+          </a:p>
+        </p:txBody>
+      </p:sp>
+      <p:pic>
+        <p:nvPicPr>
+          <p:cNvPr id="4" name="Content Placeholder 3"/>
+          <p:cNvPicPr>
+            <a:picLocks noGrp="1" noChangeAspect="1"/>
+          </p:cNvPicPr>
+          <p:nvPr>
+            <p:ph idx="1"/>
+          </p:nvPr>
+        </p:nvPicPr>
+        <p:blipFill>
+          <a:blip r:embed="rId2">
+            <a:extLst>
+              <a:ext uri="{28A0092B-C50C-407E-A947-70E740481C1C}">
+                <a14:useLocalDpi xmlns:a14="http://schemas.microsoft.com/office/drawing/2010/main" val="0"/>
+              </a:ext>
+            </a:extLst>
+          </a:blip>
+          <a:stretch>
+            <a:fillRect/>
+          </a:stretch>
+        </p:blipFill>
+        <p:spPr>
+          <a:xfrm>
+            <a:off x="1620982" y="2557463"/>
+            <a:ext cx="8381999" cy="3372282"/>
+          </a:xfrm>
+        </p:spPr>
+      </p:pic>
+    </p:spTree>
+    <p:extLst>
+      <p:ext uri="{BB962C8B-B14F-4D97-AF65-F5344CB8AC3E}">
+        <p14:creationId xmlns:p14="http://schemas.microsoft.com/office/powerpoint/2010/main" val="61240760"/>
+      </p:ext>
+    </p:extLst>
+  </p:cSld>
+  <p:clrMapOvr>
+    <a:masterClrMapping/>
+  </p:clrMapOvr>
+</p:sld>
+</file>
+
+<file path=ppt/slides/slide41.xml><?xml version="1.0" encoding="utf-8"?>
 <p:sld xmlns:a="http://schemas.openxmlformats.org/drawingml/2006/main" xmlns:r="http://schemas.openxmlformats.org/officeDocument/2006/relationships" xmlns:p="http://schemas.openxmlformats.org/presentationml/2006/main">
   <p:cSld>
     <p:spTree>
@@ -8164,7 +10048,99 @@
 </p:sld>
 </file>
 
-<file path=ppt/slides/slide27.xml><?xml version="1.0" encoding="utf-8"?>
+<file path=ppt/slides/slide42.xml><?xml version="1.0" encoding="utf-8"?>
+<p:sld xmlns:a="http://schemas.openxmlformats.org/drawingml/2006/main" xmlns:r="http://schemas.openxmlformats.org/officeDocument/2006/relationships" xmlns:p="http://schemas.openxmlformats.org/presentationml/2006/main">
+  <p:cSld>
+    <p:spTree>
+      <p:nvGrpSpPr>
+        <p:cNvPr id="1" name=""/>
+        <p:cNvGrpSpPr/>
+        <p:nvPr/>
+      </p:nvGrpSpPr>
+      <p:grpSpPr>
+        <a:xfrm>
+          <a:off x="0" y="0"/>
+          <a:ext cx="0" cy="0"/>
+          <a:chOff x="0" y="0"/>
+          <a:chExt cx="0" cy="0"/>
+        </a:xfrm>
+      </p:grpSpPr>
+      <p:sp>
+        <p:nvSpPr>
+          <p:cNvPr id="2" name="Title 1"/>
+          <p:cNvSpPr>
+            <a:spLocks noGrp="1"/>
+          </p:cNvSpPr>
+          <p:nvPr>
+            <p:ph type="title"/>
+          </p:nvPr>
+        </p:nvSpPr>
+        <p:spPr/>
+        <p:txBody>
+          <a:bodyPr/>
+          <a:lstStyle/>
+          <a:p>
+            <a:endParaRPr lang="en-IN" dirty="0"/>
+          </a:p>
+        </p:txBody>
+      </p:sp>
+      <p:pic>
+        <p:nvPicPr>
+          <p:cNvPr id="1026" name="Picture 2" descr="How to Respond to &quot;Do You Have Any Questions for Me ..."/>
+          <p:cNvPicPr>
+            <a:picLocks noGrp="1" noChangeAspect="1" noChangeArrowheads="1"/>
+          </p:cNvPicPr>
+          <p:nvPr>
+            <p:ph idx="1"/>
+          </p:nvPr>
+        </p:nvPicPr>
+        <p:blipFill>
+          <a:blip r:embed="rId2">
+            <a:extLst>
+              <a:ext uri="{28A0092B-C50C-407E-A947-70E740481C1C}">
+                <a14:useLocalDpi xmlns:a14="http://schemas.microsoft.com/office/drawing/2010/main" val="0"/>
+              </a:ext>
+            </a:extLst>
+          </a:blip>
+          <a:srcRect/>
+          <a:stretch>
+            <a:fillRect/>
+          </a:stretch>
+        </p:blipFill>
+        <p:spPr bwMode="auto">
+          <a:xfrm>
+            <a:off x="789709" y="734290"/>
+            <a:ext cx="10612581" cy="5444837"/>
+          </a:xfrm>
+          <a:prstGeom prst="rect">
+            <a:avLst/>
+          </a:prstGeom>
+          <a:noFill/>
+          <a:extLst>
+            <a:ext uri="{909E8E84-426E-40DD-AFC4-6F175D3DCCD1}">
+              <a14:hiddenFill xmlns:a14="http://schemas.microsoft.com/office/drawing/2010/main">
+                <a:solidFill>
+                  <a:srgbClr val="FFFFFF"/>
+                </a:solidFill>
+              </a14:hiddenFill>
+            </a:ext>
+          </a:extLst>
+        </p:spPr>
+      </p:pic>
+    </p:spTree>
+    <p:extLst>
+      <p:ext uri="{BB962C8B-B14F-4D97-AF65-F5344CB8AC3E}">
+        <p14:creationId xmlns:p14="http://schemas.microsoft.com/office/powerpoint/2010/main" val="2870205969"/>
+      </p:ext>
+    </p:extLst>
+  </p:cSld>
+  <p:clrMapOvr>
+    <a:masterClrMapping/>
+  </p:clrMapOvr>
+</p:sld>
+</file>
+
+<file path=ppt/slides/slide43.xml><?xml version="1.0" encoding="utf-8"?>
 <p:sld xmlns:a="http://schemas.openxmlformats.org/drawingml/2006/main" xmlns:r="http://schemas.openxmlformats.org/officeDocument/2006/relationships" xmlns:p="http://schemas.openxmlformats.org/presentationml/2006/main">
   <p:cSld>
     <p:spTree>
@@ -8247,236 +10223,6 @@
     <p:extLst>
       <p:ext uri="{BB962C8B-B14F-4D97-AF65-F5344CB8AC3E}">
         <p14:creationId xmlns:p14="http://schemas.microsoft.com/office/powerpoint/2010/main" val="1772746983"/>
-      </p:ext>
-    </p:extLst>
-  </p:cSld>
-  <p:clrMapOvr>
-    <a:masterClrMapping/>
-  </p:clrMapOvr>
-  <p:timing>
-    <p:tnLst>
-      <p:par>
-        <p:cTn id="1" dur="indefinite" restart="never" nodeType="tmRoot"/>
-      </p:par>
-    </p:tnLst>
-  </p:timing>
-</p:sld>
-</file>
-
-<file path=ppt/slides/slide3.xml><?xml version="1.0" encoding="utf-8"?>
-<p:sld xmlns:a="http://schemas.openxmlformats.org/drawingml/2006/main" xmlns:r="http://schemas.openxmlformats.org/officeDocument/2006/relationships" xmlns:p="http://schemas.openxmlformats.org/presentationml/2006/main">
-  <p:cSld>
-    <p:spTree>
-      <p:nvGrpSpPr>
-        <p:cNvPr id="1" name=""/>
-        <p:cNvGrpSpPr/>
-        <p:nvPr/>
-      </p:nvGrpSpPr>
-      <p:grpSpPr>
-        <a:xfrm>
-          <a:off x="0" y="0"/>
-          <a:ext cx="0" cy="0"/>
-          <a:chOff x="0" y="0"/>
-          <a:chExt cx="0" cy="0"/>
-        </a:xfrm>
-      </p:grpSpPr>
-      <p:sp>
-        <p:nvSpPr>
-          <p:cNvPr id="2" name="Title 1"/>
-          <p:cNvSpPr>
-            <a:spLocks noGrp="1"/>
-          </p:cNvSpPr>
-          <p:nvPr>
-            <p:ph type="title"/>
-          </p:nvPr>
-        </p:nvSpPr>
-        <p:spPr/>
-        <p:txBody>
-          <a:bodyPr/>
-          <a:lstStyle/>
-          <a:p>
-            <a:r>
-              <a:rPr lang="en-US" dirty="0" smtClean="0"/>
-              <a:t>LIBRARY IN PROJECT</a:t>
-            </a:r>
-            <a:endParaRPr lang="en-IN" dirty="0"/>
-          </a:p>
-        </p:txBody>
-      </p:sp>
-      <p:sp>
-        <p:nvSpPr>
-          <p:cNvPr id="3" name="Content Placeholder 2"/>
-          <p:cNvSpPr>
-            <a:spLocks noGrp="1"/>
-          </p:cNvSpPr>
-          <p:nvPr>
-            <p:ph idx="1"/>
-          </p:nvPr>
-        </p:nvSpPr>
-        <p:spPr/>
-        <p:txBody>
-          <a:bodyPr/>
-          <a:lstStyle/>
-          <a:p>
-            <a:r>
-              <a:rPr lang="en-US" dirty="0" smtClean="0"/>
-              <a:t>NUMPY</a:t>
-            </a:r>
-          </a:p>
-          <a:p>
-            <a:r>
-              <a:rPr lang="en-US" dirty="0" smtClean="0"/>
-              <a:t>PANDAS</a:t>
-            </a:r>
-          </a:p>
-          <a:p>
-            <a:r>
-              <a:rPr lang="en-US" dirty="0" smtClean="0"/>
-              <a:t>MATPLOTLIB</a:t>
-            </a:r>
-          </a:p>
-          <a:p>
-            <a:r>
-              <a:rPr lang="en-US" dirty="0" smtClean="0"/>
-              <a:t>SEABORN</a:t>
-            </a:r>
-          </a:p>
-          <a:p>
-            <a:r>
-              <a:rPr lang="en-US" dirty="0" smtClean="0"/>
-              <a:t>BEAUTIFULSOUP</a:t>
-            </a:r>
-          </a:p>
-          <a:p>
-            <a:r>
-              <a:rPr lang="en-US" dirty="0" smtClean="0"/>
-              <a:t>REGEX</a:t>
-            </a:r>
-          </a:p>
-          <a:p>
-            <a:endParaRPr lang="en-US" dirty="0" smtClean="0"/>
-          </a:p>
-          <a:p>
-            <a:endParaRPr lang="en-IN" dirty="0"/>
-          </a:p>
-        </p:txBody>
-      </p:sp>
-    </p:spTree>
-    <p:extLst>
-      <p:ext uri="{BB962C8B-B14F-4D97-AF65-F5344CB8AC3E}">
-        <p14:creationId xmlns:p14="http://schemas.microsoft.com/office/powerpoint/2010/main" val="4155030697"/>
-      </p:ext>
-    </p:extLst>
-  </p:cSld>
-  <p:clrMapOvr>
-    <a:masterClrMapping/>
-  </p:clrMapOvr>
-  <p:timing>
-    <p:tnLst>
-      <p:par>
-        <p:cTn id="1" dur="indefinite" restart="never" nodeType="tmRoot"/>
-      </p:par>
-    </p:tnLst>
-  </p:timing>
-</p:sld>
-</file>
-
-<file path=ppt/slides/slide4.xml><?xml version="1.0" encoding="utf-8"?>
-<p:sld xmlns:a="http://schemas.openxmlformats.org/drawingml/2006/main" xmlns:r="http://schemas.openxmlformats.org/officeDocument/2006/relationships" xmlns:p="http://schemas.openxmlformats.org/presentationml/2006/main">
-  <p:cSld>
-    <p:spTree>
-      <p:nvGrpSpPr>
-        <p:cNvPr id="1" name=""/>
-        <p:cNvGrpSpPr/>
-        <p:nvPr/>
-      </p:nvGrpSpPr>
-      <p:grpSpPr>
-        <a:xfrm>
-          <a:off x="0" y="0"/>
-          <a:ext cx="0" cy="0"/>
-          <a:chOff x="0" y="0"/>
-          <a:chExt cx="0" cy="0"/>
-        </a:xfrm>
-      </p:grpSpPr>
-      <p:sp>
-        <p:nvSpPr>
-          <p:cNvPr id="2" name="Title 1"/>
-          <p:cNvSpPr>
-            <a:spLocks noGrp="1"/>
-          </p:cNvSpPr>
-          <p:nvPr>
-            <p:ph type="title"/>
-          </p:nvPr>
-        </p:nvSpPr>
-        <p:spPr/>
-        <p:txBody>
-          <a:bodyPr/>
-          <a:lstStyle/>
-          <a:p>
-            <a:r>
-              <a:rPr lang="en-US" dirty="0" smtClean="0"/>
-              <a:t>DATA COLLECTION</a:t>
-            </a:r>
-            <a:endParaRPr lang="en-IN" dirty="0"/>
-          </a:p>
-        </p:txBody>
-      </p:sp>
-      <p:sp>
-        <p:nvSpPr>
-          <p:cNvPr id="3" name="Content Placeholder 2"/>
-          <p:cNvSpPr>
-            <a:spLocks noGrp="1"/>
-          </p:cNvSpPr>
-          <p:nvPr>
-            <p:ph idx="1"/>
-          </p:nvPr>
-        </p:nvSpPr>
-        <p:spPr/>
-        <p:txBody>
-          <a:bodyPr>
-            <a:normAutofit fontScale="92500" lnSpcReduction="20000"/>
-          </a:bodyPr>
-          <a:lstStyle/>
-          <a:p>
-            <a:r>
-              <a:rPr lang="en-US" dirty="0" smtClean="0"/>
-              <a:t>COLLECT DATA THROUGH WEB SCRAPPING</a:t>
-            </a:r>
-          </a:p>
-          <a:p>
-            <a:endParaRPr lang="en-US" dirty="0" smtClean="0"/>
-          </a:p>
-          <a:p>
-            <a:r>
-              <a:rPr lang="en-US" dirty="0" smtClean="0"/>
-              <a:t>Web scrapping is the process of extracting meaningful and useful data from website using different technique</a:t>
-            </a:r>
-          </a:p>
-          <a:p>
-            <a:endParaRPr lang="en-US" dirty="0" smtClean="0"/>
-          </a:p>
-          <a:p>
-            <a:r>
-              <a:rPr lang="en-US" dirty="0" smtClean="0"/>
-              <a:t>Using Beautiful Soup user can scrap data from website</a:t>
-            </a:r>
-          </a:p>
-          <a:p>
-            <a:endParaRPr lang="en-US" dirty="0" smtClean="0"/>
-          </a:p>
-          <a:p>
-            <a:r>
-              <a:rPr lang="en-US" dirty="0" smtClean="0"/>
-              <a:t>Website for scrapping data – oyorooms.com</a:t>
-            </a:r>
-            <a:endParaRPr lang="en-IN" dirty="0"/>
-          </a:p>
-        </p:txBody>
-      </p:sp>
-    </p:spTree>
-    <p:extLst>
-      <p:ext uri="{BB962C8B-B14F-4D97-AF65-F5344CB8AC3E}">
-        <p14:creationId xmlns:p14="http://schemas.microsoft.com/office/powerpoint/2010/main" val="2926413922"/>
       </p:ext>
     </p:extLst>
   </p:cSld>
@@ -8871,6 +10617,13 @@
   <p:clrMapOvr>
     <a:masterClrMapping/>
   </p:clrMapOvr>
+  <p:timing>
+    <p:tnLst>
+      <p:par>
+        <p:cTn id="1" dur="indefinite" restart="never" nodeType="tmRoot"/>
+      </p:par>
+    </p:tnLst>
+  </p:timing>
 </p:sld>
 </file>
 
@@ -8981,6 +10734,13 @@
   <p:clrMapOvr>
     <a:masterClrMapping/>
   </p:clrMapOvr>
+  <p:timing>
+    <p:tnLst>
+      <p:par>
+        <p:cTn id="1" dur="indefinite" restart="never" nodeType="tmRoot"/>
+      </p:par>
+    </p:tnLst>
+  </p:timing>
 </p:sld>
 </file>
 

--- a/oyo1.pptx
+++ b/oyo1.pptx
@@ -7332,7 +7332,7 @@
             </a:r>
             <a:r>
               <a:rPr lang="en-US" dirty="0" smtClean="0"/>
-              <a:t>discount</a:t>
+              <a:t> and 85% discount</a:t>
             </a:r>
           </a:p>
           <a:p>
@@ -7665,7 +7665,7 @@
           <a:p>
             <a:r>
               <a:rPr lang="en-US" dirty="0" smtClean="0"/>
-              <a:t>Discount plot with count</a:t>
+              <a:t>Discount vs hotel count</a:t>
             </a:r>
             <a:endParaRPr lang="en-IN" dirty="0"/>
           </a:p>
@@ -7858,7 +7858,7 @@
           <a:p>
             <a:r>
               <a:rPr lang="en-US" dirty="0" smtClean="0"/>
-              <a:t>Hotel Rating count</a:t>
+              <a:t>Hotel Rating vs hotel count</a:t>
             </a:r>
             <a:endParaRPr lang="en-IN" dirty="0"/>
           </a:p>
@@ -7995,8 +7995,21 @@
           <a:p>
             <a:r>
               <a:rPr lang="en-US" dirty="0"/>
-              <a:t>around 10 hotels rating is 1.0 ,1.2,1.5,1.7,1.9,2.2,2.3,2.4,2.5,2.6</a:t>
-            </a:r>
+              <a:t>around 10 hotels rating is 1.0 ,</a:t>
+            </a:r>
+            <a:r>
+              <a:rPr lang="en-US" dirty="0" smtClean="0"/>
+              <a:t>1.2,1.5,1.7,1.9,2.2,2.3,2.4,2.5,2.6 </a:t>
+            </a:r>
+            <a:r>
+              <a:rPr lang="en-US" dirty="0" err="1" smtClean="0"/>
+              <a:t>upto</a:t>
+            </a:r>
+            <a:r>
+              <a:rPr lang="en-US" dirty="0" smtClean="0"/>
+              <a:t> 2.9</a:t>
+            </a:r>
+            <a:endParaRPr lang="en-US" dirty="0"/>
           </a:p>
           <a:p>
             <a:r>
@@ -8194,11 +8207,11 @@
           <a:p>
             <a:r>
               <a:rPr lang="en-US" dirty="0"/>
-              <a:t>   H</a:t>
-            </a:r>
-            <a:r>
-              <a:rPr lang="en-US" dirty="0" smtClean="0"/>
-              <a:t>ighest </a:t>
+              <a:t>  </a:t>
+            </a:r>
+            <a:r>
+              <a:rPr lang="en-US" dirty="0" smtClean="0"/>
+              <a:t>Highest </a:t>
             </a:r>
             <a:r>
               <a:rPr lang="en-US" dirty="0"/>
@@ -8618,13 +8631,29 @@
           <a:p>
             <a:r>
               <a:rPr lang="en-US" dirty="0"/>
-              <a:t>For very good room quality rating is outlier rating which is almost 0.</a:t>
-            </a:r>
-          </a:p>
-          <a:p>
+              <a:t>For very good room quality rating is outlier </a:t>
+            </a:r>
+            <a:r>
+              <a:rPr lang="en-US" dirty="0" smtClean="0"/>
+              <a:t>, which </a:t>
+            </a:r>
             <a:r>
               <a:rPr lang="en-US" dirty="0"/>
-              <a:t>For very good room quality rating is starting from </a:t>
+              <a:t>is almost 0</a:t>
+            </a:r>
+            <a:r>
+              <a:rPr lang="en-US" dirty="0" smtClean="0"/>
+              <a:t>.</a:t>
+            </a:r>
+          </a:p>
+          <a:p>
+            <a:r>
+              <a:rPr lang="en-US" dirty="0" smtClean="0"/>
+              <a:t>For </a:t>
+            </a:r>
+            <a:r>
+              <a:rPr lang="en-US" dirty="0"/>
+              <a:t>very good room quality rating is starting from </a:t>
             </a:r>
             <a:r>
               <a:rPr lang="en-US" dirty="0" smtClean="0"/>
@@ -8731,7 +8760,9 @@
         </p:nvSpPr>
         <p:spPr/>
         <p:txBody>
-          <a:bodyPr/>
+          <a:bodyPr>
+            <a:normAutofit fontScale="92500" lnSpcReduction="10000"/>
+          </a:bodyPr>
           <a:lstStyle/>
           <a:p>
             <a:r>
@@ -8755,6 +8786,12 @@
             <a:r>
               <a:rPr lang="en-US" dirty="0" smtClean="0"/>
               <a:t>SEABORN</a:t>
+            </a:r>
+          </a:p>
+          <a:p>
+            <a:r>
+              <a:rPr lang="en-US" dirty="0" smtClean="0"/>
+              <a:t>REQUESTS</a:t>
             </a:r>
           </a:p>
           <a:p>
@@ -8998,6 +9035,13 @@
   <p:clrMapOvr>
     <a:masterClrMapping/>
   </p:clrMapOvr>
+  <p:timing>
+    <p:tnLst>
+      <p:par>
+        <p:cTn id="1" dur="indefinite" restart="never" nodeType="tmRoot"/>
+      </p:par>
+    </p:tnLst>
+  </p:timing>
 </p:sld>
 </file>
 
@@ -9256,7 +9300,15 @@
           <a:p>
             <a:r>
               <a:rPr lang="en-US" dirty="0"/>
-              <a:t>1000 to 5000 is the maximum rent which is affordable</a:t>
+              <a:t>1000 to 5000 is the </a:t>
+            </a:r>
+            <a:r>
+              <a:rPr lang="en-US" dirty="0" smtClean="0"/>
+              <a:t>minimum </a:t>
+            </a:r>
+            <a:r>
+              <a:rPr lang="en-US" dirty="0"/>
+              <a:t>rent which is affordable</a:t>
             </a:r>
           </a:p>
           <a:p>
@@ -9271,6 +9323,24 @@
             <a:r>
               <a:rPr lang="en-US" dirty="0"/>
               <a:t> the range is normally distributed</a:t>
+            </a:r>
+          </a:p>
+          <a:p>
+            <a:r>
+              <a:rPr lang="en-US" dirty="0"/>
+              <a:t> the rent of hotels except </a:t>
+            </a:r>
+            <a:r>
+              <a:rPr lang="en-US" dirty="0" err="1" smtClean="0"/>
+              <a:t>mahabaleswar</a:t>
+            </a:r>
+            <a:r>
+              <a:rPr lang="en-US" dirty="0" smtClean="0"/>
+              <a:t> </a:t>
+            </a:r>
+            <a:r>
+              <a:rPr lang="en-US" dirty="0"/>
+              <a:t> are some what same</a:t>
             </a:r>
           </a:p>
           <a:p>
@@ -9379,6 +9449,13 @@
   <p:clrMapOvr>
     <a:masterClrMapping/>
   </p:clrMapOvr>
+  <p:timing>
+    <p:tnLst>
+      <p:par>
+        <p:cTn id="1" dur="indefinite" restart="never" nodeType="tmRoot"/>
+      </p:par>
+    </p:tnLst>
+  </p:timing>
 </p:sld>
 </file>
 
@@ -9463,6 +9540,13 @@
   <p:clrMapOvr>
     <a:masterClrMapping/>
   </p:clrMapOvr>
+  <p:timing>
+    <p:tnLst>
+      <p:par>
+        <p:cTn id="1" dur="indefinite" restart="never" nodeType="tmRoot"/>
+      </p:par>
+    </p:tnLst>
+  </p:timing>
 </p:sld>
 </file>
 
@@ -9568,6 +9652,13 @@
   <p:clrMapOvr>
     <a:masterClrMapping/>
   </p:clrMapOvr>
+  <p:timing>
+    <p:tnLst>
+      <p:par>
+        <p:cTn id="1" dur="indefinite" restart="never" nodeType="tmRoot"/>
+      </p:par>
+    </p:tnLst>
+  </p:timing>
 </p:sld>
 </file>
 
@@ -9650,6 +9741,13 @@
   <p:clrMapOvr>
     <a:masterClrMapping/>
   </p:clrMapOvr>
+  <p:timing>
+    <p:tnLst>
+      <p:par>
+        <p:cTn id="1" dur="indefinite" restart="never" nodeType="tmRoot"/>
+      </p:par>
+    </p:tnLst>
+  </p:timing>
 </p:sld>
 </file>
 
@@ -9714,8 +9812,12 @@
           <a:lstStyle/>
           <a:p>
             <a:r>
+              <a:rPr lang="en-US" dirty="0" smtClean="0"/>
+              <a:t>However</a:t>
+            </a:r>
+            <a:r>
               <a:rPr lang="en-US" dirty="0"/>
-              <a:t>The higher the original rent, the greater the amount the user has to pay. However, it is important to note that there is a linearly increasing trend based on this </a:t>
+              <a:t>, it is important to note that there is a linearly increasing trend based on this </a:t>
             </a:r>
             <a:r>
               <a:rPr lang="en-US" dirty="0" smtClean="0"/>
@@ -9754,6 +9856,13 @@
   <p:clrMapOvr>
     <a:masterClrMapping/>
   </p:clrMapOvr>
+  <p:timing>
+    <p:tnLst>
+      <p:par>
+        <p:cTn id="1" dur="indefinite" restart="never" nodeType="tmRoot"/>
+      </p:par>
+    </p:tnLst>
+  </p:timing>
 </p:sld>
 </file>
 
@@ -9948,6 +10057,13 @@
   <p:clrMapOvr>
     <a:masterClrMapping/>
   </p:clrMapOvr>
+  <p:timing>
+    <p:tnLst>
+      <p:par>
+        <p:cTn id="1" dur="indefinite" restart="never" nodeType="tmRoot"/>
+      </p:par>
+    </p:tnLst>
+  </p:timing>
 </p:sld>
 </file>
 
@@ -10137,6 +10253,13 @@
   <p:clrMapOvr>
     <a:masterClrMapping/>
   </p:clrMapOvr>
+  <p:timing>
+    <p:tnLst>
+      <p:par>
+        <p:cTn id="1" dur="indefinite" restart="never" nodeType="tmRoot"/>
+      </p:par>
+    </p:tnLst>
+  </p:timing>
 </p:sld>
 </file>
 
@@ -10392,7 +10515,7 @@
           <a:p>
             <a:r>
               <a:rPr lang="en-US" dirty="0" smtClean="0"/>
-              <a:t>Difficult to finding html tag where to scrap data .</a:t>
+              <a:t>Difficult to finding proper html tag where to scrap data .</a:t>
             </a:r>
           </a:p>
           <a:p>
@@ -10492,7 +10615,7 @@
           <a:p>
             <a:r>
               <a:rPr lang="en-US" dirty="0" smtClean="0"/>
-              <a:t>Using library REGEX user can clean the data</a:t>
+              <a:t>Using library REGEX developer can clean the data</a:t>
             </a:r>
           </a:p>
           <a:p>
